--- a/Book/Thesis_Presentation.pptx
+++ b/Book/Thesis_Presentation.pptx
@@ -132,7 +132,7 @@
   </p:defaultTextStyle>
   <p:extLst>
     <p:ext uri="{EFAFB233-063F-42B5-8137-9DF3F51BA10A}">
-      <p15:sldGuideLst xmlns:p15="http://schemas.microsoft.com/office/powerpoint/2012/main" xmlns="">
+      <p15:sldGuideLst xmlns="" xmlns:p15="http://schemas.microsoft.com/office/powerpoint/2012/main">
         <p15:guide id="1" orient="horz" pos="2160">
           <p15:clr>
             <a:srgbClr val="A4A3A4"/>
@@ -721,7 +721,7 @@
           <p:cNvPr id="1026" name="Picture 2" descr="Image result for AIUB logo">
             <a:extLst>
               <a:ext uri="{FF2B5EF4-FFF2-40B4-BE49-F238E27FC236}">
-                <a16:creationId xmlns="" xmlns:a16="http://schemas.microsoft.com/office/drawing/2014/main" id="{CF3BFD94-6180-4B73-8361-A4B02BAD1757}"/>
+                <a16:creationId xmlns:a16="http://schemas.microsoft.com/office/drawing/2014/main" xmlns="" id="{CF3BFD94-6180-4B73-8361-A4B02BAD1757}"/>
               </a:ext>
             </a:extLst>
           </p:cNvPr>
@@ -7588,7 +7588,7 @@
           <p:cNvPr id="2050" name="Picture 2" descr="Image result for AIUB logo">
             <a:extLst>
               <a:ext uri="{FF2B5EF4-FFF2-40B4-BE49-F238E27FC236}">
-                <a16:creationId xmlns="" xmlns:a16="http://schemas.microsoft.com/office/drawing/2014/main" id="{C28CB252-6044-4564-B6A7-264FC3396E0A}"/>
+                <a16:creationId xmlns:a16="http://schemas.microsoft.com/office/drawing/2014/main" xmlns="" id="{C28CB252-6044-4564-B6A7-264FC3396E0A}"/>
               </a:ext>
             </a:extLst>
           </p:cNvPr>
@@ -8351,7 +8351,7 @@
           <p:cNvPr id="6" name="Table 5">
             <a:extLst>
               <a:ext uri="{FF2B5EF4-FFF2-40B4-BE49-F238E27FC236}">
-                <a16:creationId xmlns="" xmlns:a16="http://schemas.microsoft.com/office/drawing/2014/main" id="{80FA2A77-A004-4F61-9E7E-87FE64C4A23F}"/>
+                <a16:creationId xmlns:a16="http://schemas.microsoft.com/office/drawing/2014/main" xmlns="" id="{80FA2A77-A004-4F61-9E7E-87FE64C4A23F}"/>
               </a:ext>
             </a:extLst>
           </p:cNvPr>
@@ -8361,7 +8361,7 @@
           <p:nvPr>
             <p:extLst>
               <p:ext uri="{D42A27DB-BD31-4B8C-83A1-F6EECF244321}">
-                <p14:modId xmlns:p14="http://schemas.microsoft.com/office/powerpoint/2010/main" val="3068550702"/>
+                <p14:modId xmlns:p14="http://schemas.microsoft.com/office/powerpoint/2010/main" val="247515865"/>
               </p:ext>
             </p:extLst>
           </p:nvPr>
@@ -8380,21 +8380,21 @@
                 <a:gridCol w="4684540">
                   <a:extLst>
                     <a:ext uri="{9D8B030D-6E8A-4147-A177-3AD203B41FA5}">
-                      <a16:colId xmlns="" xmlns:a16="http://schemas.microsoft.com/office/drawing/2014/main" val="794581472"/>
+                      <a16:colId xmlns:a16="http://schemas.microsoft.com/office/drawing/2014/main" xmlns="" val="794581472"/>
                     </a:ext>
                   </a:extLst>
                 </a:gridCol>
                 <a:gridCol w="2250831">
                   <a:extLst>
                     <a:ext uri="{9D8B030D-6E8A-4147-A177-3AD203B41FA5}">
-                      <a16:colId xmlns="" xmlns:a16="http://schemas.microsoft.com/office/drawing/2014/main" val="3106225813"/>
+                      <a16:colId xmlns:a16="http://schemas.microsoft.com/office/drawing/2014/main" xmlns="" val="3106225813"/>
                     </a:ext>
                   </a:extLst>
                 </a:gridCol>
                 <a:gridCol w="1434905">
                   <a:extLst>
                     <a:ext uri="{9D8B030D-6E8A-4147-A177-3AD203B41FA5}">
-                      <a16:colId xmlns="" xmlns:a16="http://schemas.microsoft.com/office/drawing/2014/main" val="3199282456"/>
+                      <a16:colId xmlns:a16="http://schemas.microsoft.com/office/drawing/2014/main" xmlns="" val="3199282456"/>
                     </a:ext>
                   </a:extLst>
                 </a:gridCol>
@@ -8441,7 +8441,7 @@
                 </a:tc>
                 <a:extLst>
                   <a:ext uri="{0D108BD9-81ED-4DB2-BD59-A6C34878D82A}">
-                    <a16:rowId xmlns="" xmlns:a16="http://schemas.microsoft.com/office/drawing/2014/main" val="925189299"/>
+                    <a16:rowId xmlns:a16="http://schemas.microsoft.com/office/drawing/2014/main" xmlns="" val="925189299"/>
                   </a:ext>
                 </a:extLst>
               </a:tr>
@@ -8527,6 +8527,10 @@
                     <a:bodyPr/>
                     <a:lstStyle/>
                     <a:p>
+                      <a:r>
+                        <a:rPr lang="en-US" dirty="0" smtClean="0"/>
+                        <a:t>25%</a:t>
+                      </a:r>
                       <a:endParaRPr lang="en-US" dirty="0"/>
                     </a:p>
                   </a:txBody>
@@ -8534,7 +8538,7 @@
                 </a:tc>
                 <a:extLst>
                   <a:ext uri="{0D108BD9-81ED-4DB2-BD59-A6C34878D82A}">
-                    <a16:rowId xmlns="" xmlns:a16="http://schemas.microsoft.com/office/drawing/2014/main" val="2838283429"/>
+                    <a16:rowId xmlns:a16="http://schemas.microsoft.com/office/drawing/2014/main" xmlns="" val="2838283429"/>
                   </a:ext>
                 </a:extLst>
               </a:tr>
@@ -8631,14 +8635,34 @@
                     <a:bodyPr/>
                     <a:lstStyle/>
                     <a:p>
-                      <a:endParaRPr lang="en-US"/>
+                      <a:pPr marL="0" marR="0" indent="0" algn="l" defTabSz="914400" rtl="0" eaLnBrk="1" fontAlgn="auto" latinLnBrk="0" hangingPunct="1">
+                        <a:lnSpc>
+                          <a:spcPct val="100000"/>
+                        </a:lnSpc>
+                        <a:spcBef>
+                          <a:spcPts val="0"/>
+                        </a:spcBef>
+                        <a:spcAft>
+                          <a:spcPts val="0"/>
+                        </a:spcAft>
+                        <a:buClrTx/>
+                        <a:buSzTx/>
+                        <a:buFontTx/>
+                        <a:buNone/>
+                        <a:tabLst/>
+                        <a:defRPr/>
+                      </a:pPr>
+                      <a:r>
+                        <a:rPr lang="en-US" dirty="0" smtClean="0"/>
+                        <a:t>25%</a:t>
+                      </a:r>
                     </a:p>
                   </a:txBody>
                   <a:tcPr/>
                 </a:tc>
                 <a:extLst>
                   <a:ext uri="{0D108BD9-81ED-4DB2-BD59-A6C34878D82A}">
-                    <a16:rowId xmlns="" xmlns:a16="http://schemas.microsoft.com/office/drawing/2014/main" val="3742747497"/>
+                    <a16:rowId xmlns:a16="http://schemas.microsoft.com/office/drawing/2014/main" xmlns="" val="3742747497"/>
                   </a:ext>
                 </a:extLst>
               </a:tr>
@@ -8746,14 +8770,34 @@
                     <a:bodyPr/>
                     <a:lstStyle/>
                     <a:p>
-                      <a:endParaRPr lang="en-US"/>
+                      <a:pPr marL="0" marR="0" indent="0" algn="l" defTabSz="914400" rtl="0" eaLnBrk="1" fontAlgn="auto" latinLnBrk="0" hangingPunct="1">
+                        <a:lnSpc>
+                          <a:spcPct val="100000"/>
+                        </a:lnSpc>
+                        <a:spcBef>
+                          <a:spcPts val="0"/>
+                        </a:spcBef>
+                        <a:spcAft>
+                          <a:spcPts val="0"/>
+                        </a:spcAft>
+                        <a:buClrTx/>
+                        <a:buSzTx/>
+                        <a:buFontTx/>
+                        <a:buNone/>
+                        <a:tabLst/>
+                        <a:defRPr/>
+                      </a:pPr>
+                      <a:r>
+                        <a:rPr lang="en-US" dirty="0" smtClean="0"/>
+                        <a:t>25%</a:t>
+                      </a:r>
                     </a:p>
                   </a:txBody>
                   <a:tcPr/>
                 </a:tc>
                 <a:extLst>
                   <a:ext uri="{0D108BD9-81ED-4DB2-BD59-A6C34878D82A}">
-                    <a16:rowId xmlns="" xmlns:a16="http://schemas.microsoft.com/office/drawing/2014/main" val="2739026912"/>
+                    <a16:rowId xmlns:a16="http://schemas.microsoft.com/office/drawing/2014/main" xmlns="" val="2739026912"/>
                   </a:ext>
                 </a:extLst>
               </a:tr>
@@ -8789,14 +8833,34 @@
                     <a:bodyPr/>
                     <a:lstStyle/>
                     <a:p>
-                      <a:endParaRPr lang="en-US" dirty="0"/>
+                      <a:pPr marL="0" marR="0" indent="0" algn="l" defTabSz="914400" rtl="0" eaLnBrk="1" fontAlgn="auto" latinLnBrk="0" hangingPunct="1">
+                        <a:lnSpc>
+                          <a:spcPct val="100000"/>
+                        </a:lnSpc>
+                        <a:spcBef>
+                          <a:spcPts val="0"/>
+                        </a:spcBef>
+                        <a:spcAft>
+                          <a:spcPts val="0"/>
+                        </a:spcAft>
+                        <a:buClrTx/>
+                        <a:buSzTx/>
+                        <a:buFontTx/>
+                        <a:buNone/>
+                        <a:tabLst/>
+                        <a:defRPr/>
+                      </a:pPr>
+                      <a:r>
+                        <a:rPr lang="en-US" dirty="0" smtClean="0"/>
+                        <a:t>25%</a:t>
+                      </a:r>
                     </a:p>
                   </a:txBody>
                   <a:tcPr/>
                 </a:tc>
                 <a:extLst>
                   <a:ext uri="{0D108BD9-81ED-4DB2-BD59-A6C34878D82A}">
-                    <a16:rowId xmlns="" xmlns:a16="http://schemas.microsoft.com/office/drawing/2014/main" val="2149362666"/>
+                    <a16:rowId xmlns:a16="http://schemas.microsoft.com/office/drawing/2014/main" xmlns="" val="2149362666"/>
                   </a:ext>
                 </a:extLst>
               </a:tr>
@@ -8809,7 +8873,7 @@
           <p:cNvPr id="7" name="Table 6">
             <a:extLst>
               <a:ext uri="{FF2B5EF4-FFF2-40B4-BE49-F238E27FC236}">
-                <a16:creationId xmlns="" xmlns:a16="http://schemas.microsoft.com/office/drawing/2014/main" id="{29FF08AD-7519-4C4A-8E0D-640DF5BB5E58}"/>
+                <a16:creationId xmlns:a16="http://schemas.microsoft.com/office/drawing/2014/main" xmlns="" id="{29FF08AD-7519-4C4A-8E0D-640DF5BB5E58}"/>
               </a:ext>
             </a:extLst>
           </p:cNvPr>
@@ -8838,14 +8902,14 @@
                 <a:gridCol w="1266782">
                   <a:extLst>
                     <a:ext uri="{9D8B030D-6E8A-4147-A177-3AD203B41FA5}">
-                      <a16:colId xmlns="" xmlns:a16="http://schemas.microsoft.com/office/drawing/2014/main" val="3905988420"/>
+                      <a16:colId xmlns:a16="http://schemas.microsoft.com/office/drawing/2014/main" xmlns="" val="3905988420"/>
                     </a:ext>
                   </a:extLst>
                 </a:gridCol>
                 <a:gridCol w="7069015">
                   <a:extLst>
                     <a:ext uri="{9D8B030D-6E8A-4147-A177-3AD203B41FA5}">
-                      <a16:colId xmlns="" xmlns:a16="http://schemas.microsoft.com/office/drawing/2014/main" val="2889894460"/>
+                      <a16:colId xmlns:a16="http://schemas.microsoft.com/office/drawing/2014/main" xmlns="" val="2889894460"/>
                     </a:ext>
                   </a:extLst>
                 </a:gridCol>
@@ -8955,7 +9019,7 @@
                 </a:tc>
                 <a:extLst>
                   <a:ext uri="{0D108BD9-81ED-4DB2-BD59-A6C34878D82A}">
-                    <a16:rowId xmlns="" xmlns:a16="http://schemas.microsoft.com/office/drawing/2014/main" val="2197040212"/>
+                    <a16:rowId xmlns:a16="http://schemas.microsoft.com/office/drawing/2014/main" xmlns="" val="2197040212"/>
                   </a:ext>
                 </a:extLst>
               </a:tr>
@@ -10231,7 +10295,7 @@
           <p:cNvPr id="5" name="Picture 4">
             <a:extLst>
               <a:ext uri="{FF2B5EF4-FFF2-40B4-BE49-F238E27FC236}">
-                <a16:creationId xmlns="" xmlns:a16="http://schemas.microsoft.com/office/drawing/2014/main" id="{552C01E4-A5C8-482E-84C0-506A3F95E1D0}"/>
+                <a16:creationId xmlns:a16="http://schemas.microsoft.com/office/drawing/2014/main" xmlns="" id="{552C01E4-A5C8-482E-84C0-506A3F95E1D0}"/>
               </a:ext>
             </a:extLst>
           </p:cNvPr>
@@ -12274,7 +12338,7 @@
           <p:cNvPr id="5" name="Picture 4">
             <a:extLst>
               <a:ext uri="{FF2B5EF4-FFF2-40B4-BE49-F238E27FC236}">
-                <a16:creationId xmlns="" xmlns:a16="http://schemas.microsoft.com/office/drawing/2014/main" id="{ED6EA63D-E601-4E4C-B77A-D0BCA59E48C8}"/>
+                <a16:creationId xmlns:a16="http://schemas.microsoft.com/office/drawing/2014/main" xmlns="" id="{ED6EA63D-E601-4E4C-B77A-D0BCA59E48C8}"/>
               </a:ext>
             </a:extLst>
           </p:cNvPr>
@@ -12928,7 +12992,7 @@
           <p:cNvPr id="6" name="Picture 5">
             <a:extLst>
               <a:ext uri="{FF2B5EF4-FFF2-40B4-BE49-F238E27FC236}">
-                <a16:creationId xmlns="" xmlns:a16="http://schemas.microsoft.com/office/drawing/2014/main" id="{52F3E734-1C3D-4F6F-8C17-B85A399D6B42}"/>
+                <a16:creationId xmlns:a16="http://schemas.microsoft.com/office/drawing/2014/main" xmlns="" id="{52F3E734-1C3D-4F6F-8C17-B85A399D6B42}"/>
               </a:ext>
             </a:extLst>
           </p:cNvPr>
@@ -12958,7 +13022,7 @@
           <p:cNvPr id="8" name="Picture 7">
             <a:extLst>
               <a:ext uri="{FF2B5EF4-FFF2-40B4-BE49-F238E27FC236}">
-                <a16:creationId xmlns="" xmlns:a16="http://schemas.microsoft.com/office/drawing/2014/main" id="{D7AF8262-3A3B-49CD-8D00-35524A727C2A}"/>
+                <a16:creationId xmlns:a16="http://schemas.microsoft.com/office/drawing/2014/main" xmlns="" id="{D7AF8262-3A3B-49CD-8D00-35524A727C2A}"/>
               </a:ext>
             </a:extLst>
           </p:cNvPr>
@@ -13549,7 +13613,7 @@
           <p:cNvPr id="5" name="Picture 4">
             <a:extLst>
               <a:ext uri="{FF2B5EF4-FFF2-40B4-BE49-F238E27FC236}">
-                <a16:creationId xmlns="" xmlns:a16="http://schemas.microsoft.com/office/drawing/2014/main" id="{A9DF337D-F99F-4BC4-9559-362396D1540A}"/>
+                <a16:creationId xmlns:a16="http://schemas.microsoft.com/office/drawing/2014/main" xmlns="" id="{A9DF337D-F99F-4BC4-9559-362396D1540A}"/>
               </a:ext>
             </a:extLst>
           </p:cNvPr>
@@ -13579,7 +13643,7 @@
           <p:cNvPr id="9" name="Picture 8">
             <a:extLst>
               <a:ext uri="{FF2B5EF4-FFF2-40B4-BE49-F238E27FC236}">
-                <a16:creationId xmlns="" xmlns:a16="http://schemas.microsoft.com/office/drawing/2014/main" id="{F892E1D0-B436-44B9-B7F5-D6BDD8BD55D3}"/>
+                <a16:creationId xmlns:a16="http://schemas.microsoft.com/office/drawing/2014/main" xmlns="" id="{F892E1D0-B436-44B9-B7F5-D6BDD8BD55D3}"/>
               </a:ext>
             </a:extLst>
           </p:cNvPr>
@@ -14256,7 +14320,7 @@
           <p:cNvPr id="6" name="Picture 5">
             <a:extLst>
               <a:ext uri="{FF2B5EF4-FFF2-40B4-BE49-F238E27FC236}">
-                <a16:creationId xmlns="" xmlns:a16="http://schemas.microsoft.com/office/drawing/2014/main" id="{393B6AD9-385D-4DF5-99E0-E51E55BF93B7}"/>
+                <a16:creationId xmlns:a16="http://schemas.microsoft.com/office/drawing/2014/main" xmlns="" id="{393B6AD9-385D-4DF5-99E0-E51E55BF93B7}"/>
               </a:ext>
             </a:extLst>
           </p:cNvPr>
@@ -14286,7 +14350,7 @@
           <p:cNvPr id="8" name="Picture 7">
             <a:extLst>
               <a:ext uri="{FF2B5EF4-FFF2-40B4-BE49-F238E27FC236}">
-                <a16:creationId xmlns="" xmlns:a16="http://schemas.microsoft.com/office/drawing/2014/main" id="{F643A4D0-6F9E-4E77-855D-079AFAAD20D6}"/>
+                <a16:creationId xmlns:a16="http://schemas.microsoft.com/office/drawing/2014/main" xmlns="" id="{F643A4D0-6F9E-4E77-855D-079AFAAD20D6}"/>
               </a:ext>
             </a:extLst>
           </p:cNvPr>
@@ -14316,7 +14380,7 @@
           <p:cNvPr id="11" name="Picture 10">
             <a:extLst>
               <a:ext uri="{FF2B5EF4-FFF2-40B4-BE49-F238E27FC236}">
-                <a16:creationId xmlns="" xmlns:a16="http://schemas.microsoft.com/office/drawing/2014/main" id="{257F0B3C-F89D-41F2-80F6-9DFDD396030E}"/>
+                <a16:creationId xmlns:a16="http://schemas.microsoft.com/office/drawing/2014/main" xmlns="" id="{257F0B3C-F89D-41F2-80F6-9DFDD396030E}"/>
               </a:ext>
             </a:extLst>
           </p:cNvPr>
@@ -16008,7 +16072,7 @@
           <p:cNvPr id="3" name="Subtitle 2">
             <a:extLst>
               <a:ext uri="{FF2B5EF4-FFF2-40B4-BE49-F238E27FC236}">
-                <a16:creationId xmlns="" xmlns:a16="http://schemas.microsoft.com/office/drawing/2014/main" id="{CB6E0A76-7DD3-4E99-B48E-7105413A7842}"/>
+                <a16:creationId xmlns:a16="http://schemas.microsoft.com/office/drawing/2014/main" xmlns="" id="{CB6E0A76-7DD3-4E99-B48E-7105413A7842}"/>
               </a:ext>
             </a:extLst>
           </p:cNvPr>
@@ -16874,7 +16938,7 @@
           <p:cNvPr id="3" name="Subtitle 2">
             <a:extLst>
               <a:ext uri="{FF2B5EF4-FFF2-40B4-BE49-F238E27FC236}">
-                <a16:creationId xmlns="" xmlns:a16="http://schemas.microsoft.com/office/drawing/2014/main" id="{CB6E0A76-7DD3-4E99-B48E-7105413A7842}"/>
+                <a16:creationId xmlns:a16="http://schemas.microsoft.com/office/drawing/2014/main" xmlns="" id="{CB6E0A76-7DD3-4E99-B48E-7105413A7842}"/>
               </a:ext>
             </a:extLst>
           </p:cNvPr>
@@ -17596,7 +17660,7 @@
           <p:cNvPr id="3" name="Subtitle 2">
             <a:extLst>
               <a:ext uri="{FF2B5EF4-FFF2-40B4-BE49-F238E27FC236}">
-                <a16:creationId xmlns="" xmlns:a16="http://schemas.microsoft.com/office/drawing/2014/main" id="{CB6E0A76-7DD3-4E99-B48E-7105413A7842}"/>
+                <a16:creationId xmlns:a16="http://schemas.microsoft.com/office/drawing/2014/main" xmlns="" id="{CB6E0A76-7DD3-4E99-B48E-7105413A7842}"/>
               </a:ext>
             </a:extLst>
           </p:cNvPr>
@@ -18386,7 +18450,7 @@
           <p:cNvPr id="3" name="Subtitle 2">
             <a:extLst>
               <a:ext uri="{FF2B5EF4-FFF2-40B4-BE49-F238E27FC236}">
-                <a16:creationId xmlns="" xmlns:a16="http://schemas.microsoft.com/office/drawing/2014/main" id="{CB6E0A76-7DD3-4E99-B48E-7105413A7842}"/>
+                <a16:creationId xmlns:a16="http://schemas.microsoft.com/office/drawing/2014/main" xmlns="" id="{CB6E0A76-7DD3-4E99-B48E-7105413A7842}"/>
               </a:ext>
             </a:extLst>
           </p:cNvPr>
@@ -19180,7 +19244,7 @@
           <p:cNvPr id="3" name="Subtitle 2">
             <a:extLst>
               <a:ext uri="{FF2B5EF4-FFF2-40B4-BE49-F238E27FC236}">
-                <a16:creationId xmlns="" xmlns:a16="http://schemas.microsoft.com/office/drawing/2014/main" id="{CB6E0A76-7DD3-4E99-B48E-7105413A7842}"/>
+                <a16:creationId xmlns:a16="http://schemas.microsoft.com/office/drawing/2014/main" xmlns="" id="{CB6E0A76-7DD3-4E99-B48E-7105413A7842}"/>
               </a:ext>
             </a:extLst>
           </p:cNvPr>
@@ -21907,11 +21971,7 @@
             </a:r>
             <a:r>
               <a:rPr lang="en-US" sz="1800" i="1" dirty="0"/>
-              <a:t>paper [5] uses a machine-learning classifier, Naive Bayes that is trained on </a:t>
-            </a:r>
-            <a:r>
-              <a:rPr lang="en-US" sz="1800" i="1" dirty="0"/>
-              <a:t>random social experiment </a:t>
+              <a:t>paper [5] uses a machine-learning classifier, Naive Bayes that is trained on random social experiment </a:t>
             </a:r>
             <a:r>
               <a:rPr lang="en-US" sz="1800" i="1" dirty="0" smtClean="0"/>
@@ -22572,7 +22632,7 @@
           <p:cNvPr id="4" name="Picture 3">
             <a:extLst>
               <a:ext uri="{FF2B5EF4-FFF2-40B4-BE49-F238E27FC236}">
-                <a16:creationId xmlns="" xmlns:a16="http://schemas.microsoft.com/office/drawing/2014/main" id="{398460DE-BA20-405D-A792-2DEACC581179}"/>
+                <a16:creationId xmlns:a16="http://schemas.microsoft.com/office/drawing/2014/main" xmlns="" id="{398460DE-BA20-405D-A792-2DEACC581179}"/>
               </a:ext>
             </a:extLst>
           </p:cNvPr>
@@ -24473,7 +24533,7 @@
           <p:cNvPr id="5" name="Picture 4">
             <a:extLst>
               <a:ext uri="{FF2B5EF4-FFF2-40B4-BE49-F238E27FC236}">
-                <a16:creationId xmlns="" xmlns:a16="http://schemas.microsoft.com/office/drawing/2014/main" id="{43FFE1AA-ECB8-41D0-A986-3E12F7D04B54}"/>
+                <a16:creationId xmlns:a16="http://schemas.microsoft.com/office/drawing/2014/main" xmlns="" id="{43FFE1AA-ECB8-41D0-A986-3E12F7D04B54}"/>
               </a:ext>
             </a:extLst>
           </p:cNvPr>
@@ -24793,21 +24853,6 @@
 </file>
 
 <file path=customXml/item1.xml><?xml version="1.0" encoding="utf-8"?>
-<p:properties xmlns:p="http://schemas.microsoft.com/office/2006/metadata/properties" xmlns:xsi="http://www.w3.org/2001/XMLSchema-instance" xmlns:pc="http://schemas.microsoft.com/office/infopath/2007/PartnerControls">
-  <documentManagement/>
-</p:properties>
-</file>
-
-<file path=customXml/item2.xml><?xml version="1.0" encoding="utf-8"?>
-<?mso-contentType ?>
-<FormTemplates xmlns="http://schemas.microsoft.com/sharepoint/v3/contenttype/forms">
-  <Display>DocumentLibraryForm</Display>
-  <Edit>DocumentLibraryForm</Edit>
-  <New>DocumentLibraryForm</New>
-</FormTemplates>
-</file>
-
-<file path=customXml/item3.xml><?xml version="1.0" encoding="utf-8"?>
 <ct:contentTypeSchema xmlns:ct="http://schemas.microsoft.com/office/2006/metadata/contentType" xmlns:ma="http://schemas.microsoft.com/office/2006/metadata/properties/metaAttributes" ct:_="" ma:_="" ma:contentTypeName="Document" ma:contentTypeID="0x010100BE34F36449696C4D9A39A602A84CD659" ma:contentTypeVersion="0" ma:contentTypeDescription="Create a new document." ma:contentTypeScope="" ma:versionID="b30f77e0f06e4123cf78c8237848f67e">
   <xsd:schema xmlns:xsd="http://www.w3.org/2001/XMLSchema" xmlns:xs="http://www.w3.org/2001/XMLSchema" xmlns:p="http://schemas.microsoft.com/office/2006/metadata/properties" targetNamespace="http://schemas.microsoft.com/office/2006/metadata/properties" ma:root="true" ma:fieldsID="d413257cd9829394d17656a545d5fa4e">
     <xsd:element name="properties">
@@ -24921,17 +24966,33 @@
 </ct:contentTypeSchema>
 </file>
 
+<file path=customXml/item2.xml><?xml version="1.0" encoding="utf-8"?>
+<?mso-contentType ?>
+<FormTemplates xmlns="http://schemas.microsoft.com/sharepoint/v3/contenttype/forms">
+  <Display>DocumentLibraryForm</Display>
+  <Edit>DocumentLibraryForm</Edit>
+  <New>DocumentLibraryForm</New>
+</FormTemplates>
+</file>
+
+<file path=customXml/item3.xml><?xml version="1.0" encoding="utf-8"?>
+<p:properties xmlns:p="http://schemas.microsoft.com/office/2006/metadata/properties" xmlns:xsi="http://www.w3.org/2001/XMLSchema-instance" xmlns:pc="http://schemas.microsoft.com/office/infopath/2007/PartnerControls">
+  <documentManagement/>
+</p:properties>
+</file>
+
 <file path=customXml/itemProps1.xml><?xml version="1.0" encoding="utf-8"?>
-<ds:datastoreItem xmlns:ds="http://schemas.openxmlformats.org/officeDocument/2006/customXml" ds:itemID="{91C32299-1700-4225-94F0-74D2E6557695}">
+<ds:datastoreItem xmlns:ds="http://schemas.openxmlformats.org/officeDocument/2006/customXml" ds:itemID="{B434673D-0783-4EC0-8C5C-571A272ECC05}">
   <ds:schemaRefs>
+    <ds:schemaRef ds:uri="http://schemas.microsoft.com/office/2006/metadata/contentType"/>
+    <ds:schemaRef ds:uri="http://schemas.microsoft.com/office/2006/metadata/properties/metaAttributes"/>
+    <ds:schemaRef ds:uri="http://www.w3.org/2001/XMLSchema"/>
+    <ds:schemaRef ds:uri="http://schemas.microsoft.com/office/2006/metadata/properties"/>
+    <ds:schemaRef ds:uri="http://schemas.openxmlformats.org/package/2006/metadata/core-properties"/>
     <ds:schemaRef ds:uri="http://purl.org/dc/elements/1.1/"/>
-    <ds:schemaRef ds:uri="http://schemas.microsoft.com/office/2006/metadata/properties"/>
     <ds:schemaRef ds:uri="http://purl.org/dc/terms/"/>
-    <ds:schemaRef ds:uri="http://schemas.openxmlformats.org/package/2006/metadata/core-properties"/>
-    <ds:schemaRef ds:uri="http://purl.org/dc/dcmitype/"/>
-    <ds:schemaRef ds:uri="http://schemas.microsoft.com/office/2006/documentManagement/types"/>
+    <ds:schemaRef ds:uri="http://schemas.microsoft.com/internal/obd"/>
     <ds:schemaRef ds:uri="http://schemas.microsoft.com/office/infopath/2007/PartnerControls"/>
-    <ds:schemaRef ds:uri="http://www.w3.org/XML/1998/namespace"/>
   </ds:schemaRefs>
 </ds:datastoreItem>
 </file>
@@ -24945,17 +25006,16 @@
 </file>
 
 <file path=customXml/itemProps3.xml><?xml version="1.0" encoding="utf-8"?>
-<ds:datastoreItem xmlns:ds="http://schemas.openxmlformats.org/officeDocument/2006/customXml" ds:itemID="{B434673D-0783-4EC0-8C5C-571A272ECC05}">
+<ds:datastoreItem xmlns:ds="http://schemas.openxmlformats.org/officeDocument/2006/customXml" ds:itemID="{91C32299-1700-4225-94F0-74D2E6557695}">
   <ds:schemaRefs>
-    <ds:schemaRef ds:uri="http://schemas.microsoft.com/office/2006/metadata/contentType"/>
-    <ds:schemaRef ds:uri="http://schemas.microsoft.com/office/2006/metadata/properties/metaAttributes"/>
-    <ds:schemaRef ds:uri="http://www.w3.org/2001/XMLSchema"/>
+    <ds:schemaRef ds:uri="http://purl.org/dc/elements/1.1/"/>
     <ds:schemaRef ds:uri="http://schemas.microsoft.com/office/2006/metadata/properties"/>
+    <ds:schemaRef ds:uri="http://purl.org/dc/terms/"/>
     <ds:schemaRef ds:uri="http://schemas.openxmlformats.org/package/2006/metadata/core-properties"/>
-    <ds:schemaRef ds:uri="http://purl.org/dc/elements/1.1/"/>
-    <ds:schemaRef ds:uri="http://purl.org/dc/terms/"/>
-    <ds:schemaRef ds:uri="http://schemas.microsoft.com/internal/obd"/>
+    <ds:schemaRef ds:uri="http://purl.org/dc/dcmitype/"/>
+    <ds:schemaRef ds:uri="http://schemas.microsoft.com/office/2006/documentManagement/types"/>
     <ds:schemaRef ds:uri="http://schemas.microsoft.com/office/infopath/2007/PartnerControls"/>
+    <ds:schemaRef ds:uri="http://www.w3.org/XML/1998/namespace"/>
   </ds:schemaRefs>
 </ds:datastoreItem>
 </file>
--- a/Book/Thesis_Presentation.pptx
+++ b/Book/Thesis_Presentation.pptx
@@ -132,7 +132,7 @@
   </p:defaultTextStyle>
   <p:extLst>
     <p:ext uri="{EFAFB233-063F-42B5-8137-9DF3F51BA10A}">
-      <p15:sldGuideLst xmlns="" xmlns:p15="http://schemas.microsoft.com/office/powerpoint/2012/main">
+      <p15:sldGuideLst xmlns:p15="http://schemas.microsoft.com/office/powerpoint/2012/main" xmlns="">
         <p15:guide id="1" orient="horz" pos="2160">
           <p15:clr>
             <a:srgbClr val="A4A3A4"/>
@@ -721,7 +721,7 @@
           <p:cNvPr id="1026" name="Picture 2" descr="Image result for AIUB logo">
             <a:extLst>
               <a:ext uri="{FF2B5EF4-FFF2-40B4-BE49-F238E27FC236}">
-                <a16:creationId xmlns:a16="http://schemas.microsoft.com/office/drawing/2014/main" xmlns="" id="{CF3BFD94-6180-4B73-8361-A4B02BAD1757}"/>
+                <a16:creationId xmlns="" xmlns:a16="http://schemas.microsoft.com/office/drawing/2014/main" id="{CF3BFD94-6180-4B73-8361-A4B02BAD1757}"/>
               </a:ext>
             </a:extLst>
           </p:cNvPr>
@@ -7588,7 +7588,7 @@
           <p:cNvPr id="2050" name="Picture 2" descr="Image result for AIUB logo">
             <a:extLst>
               <a:ext uri="{FF2B5EF4-FFF2-40B4-BE49-F238E27FC236}">
-                <a16:creationId xmlns:a16="http://schemas.microsoft.com/office/drawing/2014/main" xmlns="" id="{C28CB252-6044-4564-B6A7-264FC3396E0A}"/>
+                <a16:creationId xmlns="" xmlns:a16="http://schemas.microsoft.com/office/drawing/2014/main" id="{C28CB252-6044-4564-B6A7-264FC3396E0A}"/>
               </a:ext>
             </a:extLst>
           </p:cNvPr>
@@ -8351,7 +8351,7 @@
           <p:cNvPr id="6" name="Table 5">
             <a:extLst>
               <a:ext uri="{FF2B5EF4-FFF2-40B4-BE49-F238E27FC236}">
-                <a16:creationId xmlns:a16="http://schemas.microsoft.com/office/drawing/2014/main" xmlns="" id="{80FA2A77-A004-4F61-9E7E-87FE64C4A23F}"/>
+                <a16:creationId xmlns="" xmlns:a16="http://schemas.microsoft.com/office/drawing/2014/main" id="{80FA2A77-A004-4F61-9E7E-87FE64C4A23F}"/>
               </a:ext>
             </a:extLst>
           </p:cNvPr>
@@ -8380,21 +8380,21 @@
                 <a:gridCol w="4684540">
                   <a:extLst>
                     <a:ext uri="{9D8B030D-6E8A-4147-A177-3AD203B41FA5}">
-                      <a16:colId xmlns:a16="http://schemas.microsoft.com/office/drawing/2014/main" xmlns="" val="794581472"/>
+                      <a16:colId xmlns="" xmlns:a16="http://schemas.microsoft.com/office/drawing/2014/main" val="794581472"/>
                     </a:ext>
                   </a:extLst>
                 </a:gridCol>
                 <a:gridCol w="2250831">
                   <a:extLst>
                     <a:ext uri="{9D8B030D-6E8A-4147-A177-3AD203B41FA5}">
-                      <a16:colId xmlns:a16="http://schemas.microsoft.com/office/drawing/2014/main" xmlns="" val="3106225813"/>
+                      <a16:colId xmlns="" xmlns:a16="http://schemas.microsoft.com/office/drawing/2014/main" val="3106225813"/>
                     </a:ext>
                   </a:extLst>
                 </a:gridCol>
                 <a:gridCol w="1434905">
                   <a:extLst>
                     <a:ext uri="{9D8B030D-6E8A-4147-A177-3AD203B41FA5}">
-                      <a16:colId xmlns:a16="http://schemas.microsoft.com/office/drawing/2014/main" xmlns="" val="3199282456"/>
+                      <a16:colId xmlns="" xmlns:a16="http://schemas.microsoft.com/office/drawing/2014/main" val="3199282456"/>
                     </a:ext>
                   </a:extLst>
                 </a:gridCol>
@@ -8441,7 +8441,7 @@
                 </a:tc>
                 <a:extLst>
                   <a:ext uri="{0D108BD9-81ED-4DB2-BD59-A6C34878D82A}">
-                    <a16:rowId xmlns:a16="http://schemas.microsoft.com/office/drawing/2014/main" xmlns="" val="925189299"/>
+                    <a16:rowId xmlns="" xmlns:a16="http://schemas.microsoft.com/office/drawing/2014/main" val="925189299"/>
                   </a:ext>
                 </a:extLst>
               </a:tr>
@@ -8538,7 +8538,7 @@
                 </a:tc>
                 <a:extLst>
                   <a:ext uri="{0D108BD9-81ED-4DB2-BD59-A6C34878D82A}">
-                    <a16:rowId xmlns:a16="http://schemas.microsoft.com/office/drawing/2014/main" xmlns="" val="2838283429"/>
+                    <a16:rowId xmlns="" xmlns:a16="http://schemas.microsoft.com/office/drawing/2014/main" val="2838283429"/>
                   </a:ext>
                 </a:extLst>
               </a:tr>
@@ -8662,7 +8662,7 @@
                 </a:tc>
                 <a:extLst>
                   <a:ext uri="{0D108BD9-81ED-4DB2-BD59-A6C34878D82A}">
-                    <a16:rowId xmlns:a16="http://schemas.microsoft.com/office/drawing/2014/main" xmlns="" val="3742747497"/>
+                    <a16:rowId xmlns="" xmlns:a16="http://schemas.microsoft.com/office/drawing/2014/main" val="3742747497"/>
                   </a:ext>
                 </a:extLst>
               </a:tr>
@@ -8797,7 +8797,7 @@
                 </a:tc>
                 <a:extLst>
                   <a:ext uri="{0D108BD9-81ED-4DB2-BD59-A6C34878D82A}">
-                    <a16:rowId xmlns:a16="http://schemas.microsoft.com/office/drawing/2014/main" xmlns="" val="2739026912"/>
+                    <a16:rowId xmlns="" xmlns:a16="http://schemas.microsoft.com/office/drawing/2014/main" val="2739026912"/>
                   </a:ext>
                 </a:extLst>
               </a:tr>
@@ -8860,7 +8860,7 @@
                 </a:tc>
                 <a:extLst>
                   <a:ext uri="{0D108BD9-81ED-4DB2-BD59-A6C34878D82A}">
-                    <a16:rowId xmlns:a16="http://schemas.microsoft.com/office/drawing/2014/main" xmlns="" val="2149362666"/>
+                    <a16:rowId xmlns="" xmlns:a16="http://schemas.microsoft.com/office/drawing/2014/main" val="2149362666"/>
                   </a:ext>
                 </a:extLst>
               </a:tr>
@@ -8873,7 +8873,7 @@
           <p:cNvPr id="7" name="Table 6">
             <a:extLst>
               <a:ext uri="{FF2B5EF4-FFF2-40B4-BE49-F238E27FC236}">
-                <a16:creationId xmlns:a16="http://schemas.microsoft.com/office/drawing/2014/main" xmlns="" id="{29FF08AD-7519-4C4A-8E0D-640DF5BB5E58}"/>
+                <a16:creationId xmlns="" xmlns:a16="http://schemas.microsoft.com/office/drawing/2014/main" id="{29FF08AD-7519-4C4A-8E0D-640DF5BB5E58}"/>
               </a:ext>
             </a:extLst>
           </p:cNvPr>
@@ -8902,14 +8902,14 @@
                 <a:gridCol w="1266782">
                   <a:extLst>
                     <a:ext uri="{9D8B030D-6E8A-4147-A177-3AD203B41FA5}">
-                      <a16:colId xmlns:a16="http://schemas.microsoft.com/office/drawing/2014/main" xmlns="" val="3905988420"/>
+                      <a16:colId xmlns="" xmlns:a16="http://schemas.microsoft.com/office/drawing/2014/main" val="3905988420"/>
                     </a:ext>
                   </a:extLst>
                 </a:gridCol>
                 <a:gridCol w="7069015">
                   <a:extLst>
                     <a:ext uri="{9D8B030D-6E8A-4147-A177-3AD203B41FA5}">
-                      <a16:colId xmlns:a16="http://schemas.microsoft.com/office/drawing/2014/main" xmlns="" val="2889894460"/>
+                      <a16:colId xmlns="" xmlns:a16="http://schemas.microsoft.com/office/drawing/2014/main" val="2889894460"/>
                     </a:ext>
                   </a:extLst>
                 </a:gridCol>
@@ -9019,7 +9019,7 @@
                 </a:tc>
                 <a:extLst>
                   <a:ext uri="{0D108BD9-81ED-4DB2-BD59-A6C34878D82A}">
-                    <a16:rowId xmlns:a16="http://schemas.microsoft.com/office/drawing/2014/main" xmlns="" val="2197040212"/>
+                    <a16:rowId xmlns="" xmlns:a16="http://schemas.microsoft.com/office/drawing/2014/main" val="2197040212"/>
                   </a:ext>
                 </a:extLst>
               </a:tr>
@@ -9076,7 +9076,7 @@
         </p:spPr>
         <p:txBody>
           <a:bodyPr>
-            <a:normAutofit/>
+            <a:normAutofit fontScale="92500" lnSpcReduction="20000"/>
           </a:bodyPr>
           <a:lstStyle>
             <a:lvl1pPr marL="454025" indent="-454025" algn="l" defTabSz="914400" rtl="0" eaLnBrk="1" latinLnBrk="0" hangingPunct="1">
@@ -9352,6 +9352,16 @@
               </a:rPr>
               <a:t>Audio to Text </a:t>
             </a:r>
+            <a:endParaRPr lang="en-US" sz="1800" i="1" strike="noStrike" baseline="0" dirty="0" smtClean="0">
+              <a:solidFill>
+                <a:srgbClr val="000000"/>
+              </a:solidFill>
+            </a:endParaRPr>
+          </a:p>
+          <a:p>
+            <a:pPr marL="0" indent="0">
+              <a:buNone/>
+            </a:pPr>
             <a:endParaRPr lang="en-US" sz="1800" i="1" dirty="0">
               <a:solidFill>
                 <a:schemeClr val="tx1"/>
@@ -9370,13 +9380,31 @@
               </a:rPr>
               <a:t>Model Creation: </a:t>
             </a:r>
+            <a:endParaRPr lang="en-US" sz="1800" b="1" i="1" u="sng" dirty="0" smtClean="0">
+              <a:solidFill>
+                <a:schemeClr val="tx1"/>
+              </a:solidFill>
+            </a:endParaRPr>
+          </a:p>
+          <a:p>
+            <a:pPr marL="0" indent="0">
+              <a:buNone/>
+            </a:pPr>
+            <a:r>
+              <a:rPr lang="en-US" sz="1800" b="0" i="1" u="none" strike="noStrike" baseline="0" dirty="0" smtClean="0">
+                <a:solidFill>
+                  <a:srgbClr val="000000"/>
+                </a:solidFill>
+              </a:rPr>
+              <a:t>For </a:t>
+            </a:r>
             <a:r>
               <a:rPr lang="en-US" sz="1800" b="0" i="1" u="none" strike="noStrike" baseline="0" dirty="0">
                 <a:solidFill>
                   <a:srgbClr val="000000"/>
                 </a:solidFill>
               </a:rPr>
-              <a:t>For creating the model the Sequential API from </a:t>
+              <a:t>creating the model the Sequential API from </a:t>
             </a:r>
             <a:r>
               <a:rPr lang="en-US" sz="1800" b="0" i="1" u="none" strike="noStrike" baseline="0" dirty="0" err="1">
@@ -10295,7 +10323,7 @@
           <p:cNvPr id="5" name="Picture 4">
             <a:extLst>
               <a:ext uri="{FF2B5EF4-FFF2-40B4-BE49-F238E27FC236}">
-                <a16:creationId xmlns:a16="http://schemas.microsoft.com/office/drawing/2014/main" xmlns="" id="{552C01E4-A5C8-482E-84C0-506A3F95E1D0}"/>
+                <a16:creationId xmlns="" xmlns:a16="http://schemas.microsoft.com/office/drawing/2014/main" id="{552C01E4-A5C8-482E-84C0-506A3F95E1D0}"/>
               </a:ext>
             </a:extLst>
           </p:cNvPr>
@@ -11193,8 +11221,8 @@
         </p:nvSpPr>
         <p:spPr>
           <a:xfrm>
-            <a:off x="335494" y="1588756"/>
-            <a:ext cx="7754112" cy="4795111"/>
+            <a:off x="335494" y="1327760"/>
+            <a:ext cx="7754112" cy="5056108"/>
           </a:xfrm>
           <a:prstGeom prst="rect">
             <a:avLst/>
@@ -11202,7 +11230,7 @@
         </p:spPr>
         <p:txBody>
           <a:bodyPr>
-            <a:normAutofit/>
+            <a:normAutofit lnSpcReduction="10000"/>
           </a:bodyPr>
           <a:lstStyle>
             <a:lvl1pPr marL="454025" indent="-454025" algn="l" defTabSz="914400" rtl="0" eaLnBrk="1" latinLnBrk="0" hangingPunct="1">
@@ -11446,20 +11474,93 @@
                   <a:srgbClr val="000000"/>
                 </a:solidFill>
               </a:rPr>
-              <a:t>Image Processing</a:t>
-            </a:r>
-          </a:p>
-          <a:p>
-            <a:r>
-              <a:rPr lang="en-US" sz="1800" i="1" dirty="0">
+              <a:t>Image </a:t>
+            </a:r>
+            <a:r>
+              <a:rPr lang="en-US" sz="1800" i="1" dirty="0" smtClean="0">
                 <a:solidFill>
                   <a:srgbClr val="000000"/>
                 </a:solidFill>
               </a:rPr>
+              <a:t>Processing</a:t>
+            </a:r>
+          </a:p>
+          <a:p>
+            <a:pPr lvl="1"/>
+            <a:r>
+              <a:rPr lang="en-US" sz="1600" i="1" dirty="0" smtClean="0">
+                <a:solidFill>
+                  <a:srgbClr val="000000"/>
+                </a:solidFill>
+              </a:rPr>
+              <a:t>Gray-scaling every frame</a:t>
+            </a:r>
+          </a:p>
+          <a:p>
+            <a:pPr lvl="1"/>
+            <a:r>
+              <a:rPr lang="en-US" sz="1600" i="1" dirty="0" smtClean="0">
+                <a:solidFill>
+                  <a:srgbClr val="000000"/>
+                </a:solidFill>
+              </a:rPr>
+              <a:t>Converting images into 48x48</a:t>
+            </a:r>
+            <a:endParaRPr lang="en-US" sz="1600" i="1" dirty="0">
+              <a:solidFill>
+                <a:srgbClr val="000000"/>
+              </a:solidFill>
+            </a:endParaRPr>
+          </a:p>
+          <a:p>
+            <a:r>
+              <a:rPr lang="en-US" sz="1800" i="1" dirty="0" smtClean="0">
+                <a:solidFill>
+                  <a:srgbClr val="000000"/>
+                </a:solidFill>
+              </a:rPr>
               <a:t>Prediction</a:t>
             </a:r>
           </a:p>
           <a:p>
+            <a:pPr lvl="1"/>
+            <a:r>
+              <a:rPr lang="en-US" sz="1600" i="1" dirty="0" smtClean="0">
+                <a:solidFill>
+                  <a:srgbClr val="000000"/>
+                </a:solidFill>
+              </a:rPr>
+              <a:t>Model Creation</a:t>
+            </a:r>
+          </a:p>
+          <a:p>
+            <a:pPr lvl="1"/>
+            <a:r>
+              <a:rPr lang="en-US" sz="1600" i="1" dirty="0" smtClean="0">
+                <a:solidFill>
+                  <a:srgbClr val="000000"/>
+                </a:solidFill>
+              </a:rPr>
+              <a:t>Data Train</a:t>
+            </a:r>
+          </a:p>
+          <a:p>
+            <a:pPr lvl="1"/>
+            <a:r>
+              <a:rPr lang="en-US" sz="1600" i="1" dirty="0" smtClean="0">
+                <a:solidFill>
+                  <a:srgbClr val="000000"/>
+                </a:solidFill>
+              </a:rPr>
+              <a:t>Predict Every extracted frame</a:t>
+            </a:r>
+            <a:endParaRPr lang="en-US" sz="1600" i="1" dirty="0">
+              <a:solidFill>
+                <a:srgbClr val="000000"/>
+              </a:solidFill>
+            </a:endParaRPr>
+          </a:p>
+          <a:p>
             <a:pPr marL="0" indent="0">
               <a:buNone/>
             </a:pPr>
@@ -11469,22 +11570,57 @@
                   <a:srgbClr val="000000"/>
                 </a:solidFill>
               </a:rPr>
-              <a:t>Emotion Recognition from Audio:</a:t>
-            </a:r>
-          </a:p>
-          <a:p>
-            <a:r>
-              <a:rPr lang="en-US" sz="1800" i="1" dirty="0">
+              <a:t>Emotion Recognition from </a:t>
+            </a:r>
+            <a:r>
+              <a:rPr lang="en-US" sz="1800" b="1" i="1" u="sng" dirty="0" smtClean="0">
+                <a:solidFill>
+                  <a:srgbClr val="000000"/>
+                </a:solidFill>
+              </a:rPr>
+              <a:t>Audio:</a:t>
+            </a:r>
+          </a:p>
+          <a:p>
+            <a:r>
+              <a:rPr lang="en-US" sz="1800" i="1" dirty="0" smtClean="0">
                 <a:solidFill>
                   <a:schemeClr val="tx1"/>
                 </a:solidFill>
               </a:rPr>
-              <a:t>Removing stop words</a:t>
-            </a:r>
-          </a:p>
-          <a:p>
-            <a:r>
-              <a:rPr lang="en-US" sz="1800" i="1" dirty="0">
+              <a:t>Process Voice Data</a:t>
+            </a:r>
+          </a:p>
+          <a:p>
+            <a:pPr lvl="1"/>
+            <a:r>
+              <a:rPr lang="en-US" sz="1600" i="1" dirty="0" smtClean="0">
+                <a:solidFill>
+                  <a:schemeClr val="tx1"/>
+                </a:solidFill>
+              </a:rPr>
+              <a:t>Removing Stop words</a:t>
+            </a:r>
+          </a:p>
+          <a:p>
+            <a:pPr lvl="1"/>
+            <a:r>
+              <a:rPr lang="en-US" sz="1600" i="1" dirty="0" smtClean="0">
+                <a:solidFill>
+                  <a:schemeClr val="tx1"/>
+                </a:solidFill>
+              </a:rPr>
+              <a:t>Tokenize</a:t>
+            </a:r>
+            <a:endParaRPr lang="en-US" sz="1600" i="1" dirty="0">
+              <a:solidFill>
+                <a:schemeClr val="tx1"/>
+              </a:solidFill>
+            </a:endParaRPr>
+          </a:p>
+          <a:p>
+            <a:r>
+              <a:rPr lang="en-US" sz="1800" i="1" dirty="0" smtClean="0">
                 <a:solidFill>
                   <a:schemeClr val="tx1"/>
                 </a:solidFill>
@@ -12338,7 +12474,7 @@
           <p:cNvPr id="5" name="Picture 4">
             <a:extLst>
               <a:ext uri="{FF2B5EF4-FFF2-40B4-BE49-F238E27FC236}">
-                <a16:creationId xmlns:a16="http://schemas.microsoft.com/office/drawing/2014/main" xmlns="" id="{ED6EA63D-E601-4E4C-B77A-D0BCA59E48C8}"/>
+                <a16:creationId xmlns="" xmlns:a16="http://schemas.microsoft.com/office/drawing/2014/main" id="{ED6EA63D-E601-4E4C-B77A-D0BCA59E48C8}"/>
               </a:ext>
             </a:extLst>
           </p:cNvPr>
@@ -12992,7 +13128,7 @@
           <p:cNvPr id="6" name="Picture 5">
             <a:extLst>
               <a:ext uri="{FF2B5EF4-FFF2-40B4-BE49-F238E27FC236}">
-                <a16:creationId xmlns:a16="http://schemas.microsoft.com/office/drawing/2014/main" xmlns="" id="{52F3E734-1C3D-4F6F-8C17-B85A399D6B42}"/>
+                <a16:creationId xmlns="" xmlns:a16="http://schemas.microsoft.com/office/drawing/2014/main" id="{52F3E734-1C3D-4F6F-8C17-B85A399D6B42}"/>
               </a:ext>
             </a:extLst>
           </p:cNvPr>
@@ -13022,7 +13158,7 @@
           <p:cNvPr id="8" name="Picture 7">
             <a:extLst>
               <a:ext uri="{FF2B5EF4-FFF2-40B4-BE49-F238E27FC236}">
-                <a16:creationId xmlns:a16="http://schemas.microsoft.com/office/drawing/2014/main" xmlns="" id="{D7AF8262-3A3B-49CD-8D00-35524A727C2A}"/>
+                <a16:creationId xmlns="" xmlns:a16="http://schemas.microsoft.com/office/drawing/2014/main" id="{D7AF8262-3A3B-49CD-8D00-35524A727C2A}"/>
               </a:ext>
             </a:extLst>
           </p:cNvPr>
@@ -13613,7 +13749,7 @@
           <p:cNvPr id="5" name="Picture 4">
             <a:extLst>
               <a:ext uri="{FF2B5EF4-FFF2-40B4-BE49-F238E27FC236}">
-                <a16:creationId xmlns:a16="http://schemas.microsoft.com/office/drawing/2014/main" xmlns="" id="{A9DF337D-F99F-4BC4-9559-362396D1540A}"/>
+                <a16:creationId xmlns="" xmlns:a16="http://schemas.microsoft.com/office/drawing/2014/main" id="{A9DF337D-F99F-4BC4-9559-362396D1540A}"/>
               </a:ext>
             </a:extLst>
           </p:cNvPr>
@@ -13643,7 +13779,7 @@
           <p:cNvPr id="9" name="Picture 8">
             <a:extLst>
               <a:ext uri="{FF2B5EF4-FFF2-40B4-BE49-F238E27FC236}">
-                <a16:creationId xmlns:a16="http://schemas.microsoft.com/office/drawing/2014/main" xmlns="" id="{F892E1D0-B436-44B9-B7F5-D6BDD8BD55D3}"/>
+                <a16:creationId xmlns="" xmlns:a16="http://schemas.microsoft.com/office/drawing/2014/main" id="{F892E1D0-B436-44B9-B7F5-D6BDD8BD55D3}"/>
               </a:ext>
             </a:extLst>
           </p:cNvPr>
@@ -13668,6 +13804,152 @@
           </a:prstGeom>
         </p:spPr>
       </p:pic>
+      <p:sp>
+        <p:nvSpPr>
+          <p:cNvPr id="2" name="TextBox 1"/>
+          <p:cNvSpPr txBox="1"/>
+          <p:nvPr/>
+        </p:nvSpPr>
+        <p:spPr>
+          <a:xfrm>
+            <a:off x="1164921" y="6025019"/>
+            <a:ext cx="3045834" cy="523220"/>
+          </a:xfrm>
+          <a:prstGeom prst="rect">
+            <a:avLst/>
+          </a:prstGeom>
+          <a:noFill/>
+        </p:spPr>
+        <p:txBody>
+          <a:bodyPr wrap="none" rtlCol="0">
+            <a:spAutoFit/>
+          </a:bodyPr>
+          <a:lstStyle/>
+          <a:p>
+            <a:r>
+              <a:rPr lang="en-US" sz="1400" b="1" dirty="0" smtClean="0"/>
+              <a:t>Figure</a:t>
+            </a:r>
+            <a:r>
+              <a:rPr lang="en-US" sz="1400" dirty="0" smtClean="0"/>
+              <a:t>: </a:t>
+            </a:r>
+            <a:r>
+              <a:rPr lang="en-US" sz="1400" b="1" dirty="0" smtClean="0"/>
+              <a:t>Visualization</a:t>
+            </a:r>
+            <a:r>
+              <a:rPr lang="en-US" sz="1400" dirty="0" smtClean="0"/>
+              <a:t> </a:t>
+            </a:r>
+            <a:r>
+              <a:rPr lang="en-US" sz="1400" b="1" dirty="0">
+                <a:solidFill>
+                  <a:srgbClr val="000000"/>
+                </a:solidFill>
+              </a:rPr>
+              <a:t>Results extracted </a:t>
+            </a:r>
+            <a:endParaRPr lang="en-US" sz="1400" b="1" dirty="0" smtClean="0">
+              <a:solidFill>
+                <a:srgbClr val="000000"/>
+              </a:solidFill>
+            </a:endParaRPr>
+          </a:p>
+          <a:p>
+            <a:r>
+              <a:rPr lang="en-US" sz="1400" b="1" dirty="0" smtClean="0">
+                <a:solidFill>
+                  <a:srgbClr val="000000"/>
+                </a:solidFill>
+              </a:rPr>
+              <a:t>from </a:t>
+            </a:r>
+            <a:r>
+              <a:rPr lang="en-US" sz="1400" b="1" dirty="0">
+                <a:solidFill>
+                  <a:srgbClr val="000000"/>
+                </a:solidFill>
+              </a:rPr>
+              <a:t>the </a:t>
+            </a:r>
+            <a:r>
+              <a:rPr lang="en-US" sz="1400" b="1" dirty="0" smtClean="0">
+                <a:solidFill>
+                  <a:srgbClr val="000000"/>
+                </a:solidFill>
+              </a:rPr>
+              <a:t>frames</a:t>
+            </a:r>
+            <a:endParaRPr lang="en-US" sz="1400" dirty="0"/>
+          </a:p>
+        </p:txBody>
+      </p:sp>
+      <p:sp>
+        <p:nvSpPr>
+          <p:cNvPr id="7" name="TextBox 6"/>
+          <p:cNvSpPr txBox="1"/>
+          <p:nvPr/>
+        </p:nvSpPr>
+        <p:spPr>
+          <a:xfrm>
+            <a:off x="4540967" y="6062990"/>
+            <a:ext cx="3045834" cy="523220"/>
+          </a:xfrm>
+          <a:prstGeom prst="rect">
+            <a:avLst/>
+          </a:prstGeom>
+          <a:noFill/>
+        </p:spPr>
+        <p:txBody>
+          <a:bodyPr wrap="none" rtlCol="0">
+            <a:spAutoFit/>
+          </a:bodyPr>
+          <a:lstStyle/>
+          <a:p>
+            <a:r>
+              <a:rPr lang="en-US" sz="1400" b="1" dirty="0" smtClean="0"/>
+              <a:t>Figure</a:t>
+            </a:r>
+            <a:r>
+              <a:rPr lang="en-US" sz="1400" dirty="0" smtClean="0"/>
+              <a:t>: </a:t>
+            </a:r>
+            <a:r>
+              <a:rPr lang="en-US" sz="1400" b="1" dirty="0" smtClean="0"/>
+              <a:t>Visualization</a:t>
+            </a:r>
+            <a:r>
+              <a:rPr lang="en-US" sz="1400" dirty="0" smtClean="0"/>
+              <a:t> </a:t>
+            </a:r>
+            <a:r>
+              <a:rPr lang="en-US" sz="1400" b="1" dirty="0">
+                <a:solidFill>
+                  <a:srgbClr val="000000"/>
+                </a:solidFill>
+              </a:rPr>
+              <a:t>Results extracted </a:t>
+            </a:r>
+            <a:endParaRPr lang="en-US" sz="1400" b="1" dirty="0" smtClean="0">
+              <a:solidFill>
+                <a:srgbClr val="000000"/>
+              </a:solidFill>
+            </a:endParaRPr>
+          </a:p>
+          <a:p>
+            <a:r>
+              <a:rPr lang="en-US" sz="1400" b="1" dirty="0" smtClean="0">
+                <a:solidFill>
+                  <a:srgbClr val="000000"/>
+                </a:solidFill>
+              </a:rPr>
+              <a:t>from the  Voice Data</a:t>
+            </a:r>
+            <a:endParaRPr lang="en-US" sz="1400" dirty="0"/>
+          </a:p>
+        </p:txBody>
+      </p:sp>
     </p:spTree>
     <p:extLst>
       <p:ext uri="{BB962C8B-B14F-4D97-AF65-F5344CB8AC3E}">
@@ -14320,7 +14602,7 @@
           <p:cNvPr id="6" name="Picture 5">
             <a:extLst>
               <a:ext uri="{FF2B5EF4-FFF2-40B4-BE49-F238E27FC236}">
-                <a16:creationId xmlns:a16="http://schemas.microsoft.com/office/drawing/2014/main" xmlns="" id="{393B6AD9-385D-4DF5-99E0-E51E55BF93B7}"/>
+                <a16:creationId xmlns="" xmlns:a16="http://schemas.microsoft.com/office/drawing/2014/main" id="{393B6AD9-385D-4DF5-99E0-E51E55BF93B7}"/>
               </a:ext>
             </a:extLst>
           </p:cNvPr>
@@ -14350,7 +14632,7 @@
           <p:cNvPr id="8" name="Picture 7">
             <a:extLst>
               <a:ext uri="{FF2B5EF4-FFF2-40B4-BE49-F238E27FC236}">
-                <a16:creationId xmlns:a16="http://schemas.microsoft.com/office/drawing/2014/main" xmlns="" id="{F643A4D0-6F9E-4E77-855D-079AFAAD20D6}"/>
+                <a16:creationId xmlns="" xmlns:a16="http://schemas.microsoft.com/office/drawing/2014/main" id="{F643A4D0-6F9E-4E77-855D-079AFAAD20D6}"/>
               </a:ext>
             </a:extLst>
           </p:cNvPr>
@@ -14380,7 +14662,7 @@
           <p:cNvPr id="11" name="Picture 10">
             <a:extLst>
               <a:ext uri="{FF2B5EF4-FFF2-40B4-BE49-F238E27FC236}">
-                <a16:creationId xmlns:a16="http://schemas.microsoft.com/office/drawing/2014/main" xmlns="" id="{257F0B3C-F89D-41F2-80F6-9DFDD396030E}"/>
+                <a16:creationId xmlns="" xmlns:a16="http://schemas.microsoft.com/office/drawing/2014/main" id="{257F0B3C-F89D-41F2-80F6-9DFDD396030E}"/>
               </a:ext>
             </a:extLst>
           </p:cNvPr>
@@ -14469,21 +14751,22 @@
         </p:nvSpPr>
         <p:spPr>
           <a:xfrm>
-            <a:off x="486697" y="2363928"/>
-            <a:ext cx="7754112" cy="3009930"/>
+            <a:off x="486697" y="2363927"/>
+            <a:ext cx="7754112" cy="3748774"/>
           </a:xfrm>
         </p:spPr>
         <p:txBody>
           <a:bodyPr>
-            <a:normAutofit lnSpcReduction="10000"/>
+            <a:normAutofit fontScale="92500" lnSpcReduction="20000"/>
           </a:bodyPr>
           <a:lstStyle/>
           <a:p>
-            <a:pPr marL="342900" indent="-342900">
+            <a:pPr marL="2343150" lvl="4" indent="-514350" algn="l">
+              <a:buFont typeface="+mj-lt"/>
               <a:buAutoNum type="arabicPeriod"/>
             </a:pPr>
             <a:r>
-              <a:rPr lang="en-US" sz="2400" dirty="0">
+              <a:rPr lang="en-US" sz="3200" dirty="0">
                 <a:solidFill>
                   <a:schemeClr val="tx1"/>
                 </a:solidFill>
@@ -14492,11 +14775,12 @@
             </a:r>
           </a:p>
           <a:p>
-            <a:pPr marL="342900" indent="-342900">
+            <a:pPr marL="2343150" lvl="4" indent="-514350" algn="l">
+              <a:buFont typeface="+mj-lt"/>
               <a:buAutoNum type="arabicPeriod"/>
             </a:pPr>
             <a:r>
-              <a:rPr lang="en-US" sz="2400" dirty="0">
+              <a:rPr lang="en-US" sz="3200" dirty="0">
                 <a:solidFill>
                   <a:schemeClr val="tx1"/>
                 </a:solidFill>
@@ -14505,24 +14789,39 @@
             </a:r>
           </a:p>
           <a:p>
-            <a:pPr marL="342900" indent="-342900">
+            <a:pPr marL="2343150" lvl="4" indent="-514350" algn="l">
+              <a:buFont typeface="+mj-lt"/>
               <a:buAutoNum type="arabicPeriod"/>
             </a:pPr>
             <a:r>
-              <a:rPr lang="en-US" sz="2400" dirty="0">
+              <a:rPr lang="en-US" sz="3200" dirty="0">
                 <a:solidFill>
                   <a:schemeClr val="tx1"/>
                 </a:solidFill>
               </a:rPr>
-              <a:t>Research Questions</a:t>
-            </a:r>
-          </a:p>
-          <a:p>
-            <a:pPr marL="342900" indent="-342900">
+              <a:t>Research </a:t>
+            </a:r>
+            <a:r>
+              <a:rPr lang="en-US" sz="3200" dirty="0" smtClean="0">
+                <a:solidFill>
+                  <a:schemeClr val="tx1"/>
+                </a:solidFill>
+              </a:rPr>
+              <a:t>Objectives</a:t>
+            </a:r>
+            <a:endParaRPr lang="en-US" sz="3200" dirty="0">
+              <a:solidFill>
+                <a:schemeClr val="tx1"/>
+              </a:solidFill>
+            </a:endParaRPr>
+          </a:p>
+          <a:p>
+            <a:pPr marL="2343150" lvl="4" indent="-514350" algn="l">
+              <a:buFont typeface="+mj-lt"/>
               <a:buAutoNum type="arabicPeriod"/>
             </a:pPr>
             <a:r>
-              <a:rPr lang="en-US" sz="2400" dirty="0">
+              <a:rPr lang="en-US" sz="3200" dirty="0">
                 <a:solidFill>
                   <a:schemeClr val="tx1"/>
                 </a:solidFill>
@@ -14531,11 +14830,12 @@
             </a:r>
           </a:p>
           <a:p>
-            <a:pPr marL="342900" indent="-342900">
+            <a:pPr marL="2343150" lvl="4" indent="-514350" algn="l">
+              <a:buFont typeface="+mj-lt"/>
               <a:buAutoNum type="arabicPeriod"/>
             </a:pPr>
             <a:r>
-              <a:rPr lang="en-US" sz="2400" dirty="0">
+              <a:rPr lang="en-US" sz="3200" dirty="0">
                 <a:solidFill>
                   <a:schemeClr val="tx1"/>
                 </a:solidFill>
@@ -14544,11 +14844,12 @@
             </a:r>
           </a:p>
           <a:p>
-            <a:pPr marL="342900" indent="-342900">
+            <a:pPr marL="2343150" lvl="4" indent="-514350" algn="l">
+              <a:buFont typeface="+mj-lt"/>
               <a:buAutoNum type="arabicPeriod"/>
             </a:pPr>
             <a:r>
-              <a:rPr lang="en-US" sz="2400" dirty="0">
+              <a:rPr lang="en-US" sz="3200" dirty="0">
                 <a:solidFill>
                   <a:schemeClr val="tx1"/>
                 </a:solidFill>
@@ -14557,11 +14858,12 @@
             </a:r>
           </a:p>
           <a:p>
-            <a:pPr marL="342900" indent="-342900">
+            <a:pPr marL="2343150" lvl="4" indent="-514350" algn="l">
+              <a:buFont typeface="+mj-lt"/>
               <a:buAutoNum type="arabicPeriod"/>
             </a:pPr>
             <a:r>
-              <a:rPr lang="en-US" sz="2400" dirty="0">
+              <a:rPr lang="en-US" sz="3200" dirty="0">
                 <a:solidFill>
                   <a:schemeClr val="tx1"/>
                 </a:solidFill>
@@ -14570,11 +14872,12 @@
             </a:r>
           </a:p>
           <a:p>
-            <a:pPr marL="342900" indent="-342900">
+            <a:pPr marL="2343150" lvl="4" indent="-514350" algn="l">
+              <a:buFont typeface="+mj-lt"/>
               <a:buAutoNum type="arabicPeriod"/>
             </a:pPr>
             <a:r>
-              <a:rPr lang="en-US" sz="2400" dirty="0">
+              <a:rPr lang="en-US" sz="3200" dirty="0">
                 <a:solidFill>
                   <a:schemeClr val="tx1"/>
                 </a:solidFill>
@@ -16072,7 +16375,7 @@
           <p:cNvPr id="3" name="Subtitle 2">
             <a:extLst>
               <a:ext uri="{FF2B5EF4-FFF2-40B4-BE49-F238E27FC236}">
-                <a16:creationId xmlns:a16="http://schemas.microsoft.com/office/drawing/2014/main" xmlns="" id="{CB6E0A76-7DD3-4E99-B48E-7105413A7842}"/>
+                <a16:creationId xmlns="" xmlns:a16="http://schemas.microsoft.com/office/drawing/2014/main" id="{CB6E0A76-7DD3-4E99-B48E-7105413A7842}"/>
               </a:ext>
             </a:extLst>
           </p:cNvPr>
@@ -16938,7 +17241,7 @@
           <p:cNvPr id="3" name="Subtitle 2">
             <a:extLst>
               <a:ext uri="{FF2B5EF4-FFF2-40B4-BE49-F238E27FC236}">
-                <a16:creationId xmlns:a16="http://schemas.microsoft.com/office/drawing/2014/main" xmlns="" id="{CB6E0A76-7DD3-4E99-B48E-7105413A7842}"/>
+                <a16:creationId xmlns="" xmlns:a16="http://schemas.microsoft.com/office/drawing/2014/main" id="{CB6E0A76-7DD3-4E99-B48E-7105413A7842}"/>
               </a:ext>
             </a:extLst>
           </p:cNvPr>
@@ -17660,7 +17963,7 @@
           <p:cNvPr id="3" name="Subtitle 2">
             <a:extLst>
               <a:ext uri="{FF2B5EF4-FFF2-40B4-BE49-F238E27FC236}">
-                <a16:creationId xmlns:a16="http://schemas.microsoft.com/office/drawing/2014/main" xmlns="" id="{CB6E0A76-7DD3-4E99-B48E-7105413A7842}"/>
+                <a16:creationId xmlns="" xmlns:a16="http://schemas.microsoft.com/office/drawing/2014/main" id="{CB6E0A76-7DD3-4E99-B48E-7105413A7842}"/>
               </a:ext>
             </a:extLst>
           </p:cNvPr>
@@ -18450,7 +18753,7 @@
           <p:cNvPr id="3" name="Subtitle 2">
             <a:extLst>
               <a:ext uri="{FF2B5EF4-FFF2-40B4-BE49-F238E27FC236}">
-                <a16:creationId xmlns:a16="http://schemas.microsoft.com/office/drawing/2014/main" xmlns="" id="{CB6E0A76-7DD3-4E99-B48E-7105413A7842}"/>
+                <a16:creationId xmlns="" xmlns:a16="http://schemas.microsoft.com/office/drawing/2014/main" id="{CB6E0A76-7DD3-4E99-B48E-7105413A7842}"/>
               </a:ext>
             </a:extLst>
           </p:cNvPr>
@@ -19244,7 +19547,7 @@
           <p:cNvPr id="3" name="Subtitle 2">
             <a:extLst>
               <a:ext uri="{FF2B5EF4-FFF2-40B4-BE49-F238E27FC236}">
-                <a16:creationId xmlns:a16="http://schemas.microsoft.com/office/drawing/2014/main" xmlns="" id="{CB6E0A76-7DD3-4E99-B48E-7105413A7842}"/>
+                <a16:creationId xmlns="" xmlns:a16="http://schemas.microsoft.com/office/drawing/2014/main" id="{CB6E0A76-7DD3-4E99-B48E-7105413A7842}"/>
               </a:ext>
             </a:extLst>
           </p:cNvPr>
@@ -22632,7 +22935,7 @@
           <p:cNvPr id="4" name="Picture 3">
             <a:extLst>
               <a:ext uri="{FF2B5EF4-FFF2-40B4-BE49-F238E27FC236}">
-                <a16:creationId xmlns:a16="http://schemas.microsoft.com/office/drawing/2014/main" xmlns="" id="{398460DE-BA20-405D-A792-2DEACC581179}"/>
+                <a16:creationId xmlns="" xmlns:a16="http://schemas.microsoft.com/office/drawing/2014/main" id="{398460DE-BA20-405D-A792-2DEACC581179}"/>
               </a:ext>
             </a:extLst>
           </p:cNvPr>
@@ -23855,8 +24158,21 @@
                   <a:schemeClr val="tx1"/>
                 </a:solidFill>
               </a:rPr>
-              <a:t>Research Questions</a:t>
-            </a:r>
+              <a:t>Research </a:t>
+            </a:r>
+            <a:r>
+              <a:rPr lang="en-US" sz="2600" b="1" dirty="0">
+                <a:solidFill>
+                  <a:schemeClr val="tx1"/>
+                </a:solidFill>
+              </a:rPr>
+              <a:t>Objectives</a:t>
+            </a:r>
+            <a:endParaRPr lang="en-US" sz="2600" b="1" dirty="0">
+              <a:solidFill>
+                <a:schemeClr val="tx1"/>
+              </a:solidFill>
+            </a:endParaRPr>
           </a:p>
           <a:p>
             <a:pPr marL="0" indent="0">
@@ -23879,7 +24195,7 @@
         <p:spPr>
           <a:xfrm>
             <a:off x="335494" y="1978925"/>
-            <a:ext cx="8549199" cy="2862322"/>
+            <a:ext cx="8549199" cy="3139321"/>
           </a:xfrm>
           <a:prstGeom prst="rect">
             <a:avLst/>
@@ -23892,40 +24208,99 @@
           </a:bodyPr>
           <a:lstStyle/>
           <a:p>
+            <a:pPr marL="285750" indent="-285750">
+              <a:buFont typeface="Arial" pitchFamily="34" charset="0"/>
+              <a:buChar char="•"/>
+            </a:pPr>
             <a:r>
               <a:rPr lang="en-US" i="1" dirty="0" smtClean="0"/>
-              <a:t>In </a:t>
-            </a:r>
-            <a:r>
-              <a:rPr lang="en-US" i="1" dirty="0"/>
-              <a:t>real life, people express their emotion on their face to show their psychological activities and attitudes in the interaction with other people. The primary focus of this project is to determine which emotion an input </a:t>
-            </a:r>
+              <a:t>To extract data from video for Recognizing sentiment</a:t>
+            </a:r>
+          </a:p>
+          <a:p>
+            <a:pPr marL="742950" lvl="1" indent="-285750">
+              <a:buFont typeface="Arial" pitchFamily="34" charset="0"/>
+              <a:buChar char="•"/>
+            </a:pPr>
             <a:r>
               <a:rPr lang="en-US" i="1" dirty="0" smtClean="0"/>
-              <a:t>video that </a:t>
-            </a:r>
-            <a:r>
-              <a:rPr lang="en-US" i="1" dirty="0"/>
-              <a:t>contains one facial emotion belongs to. Because human face is complex to interpret, emotion recognition can be specifically divided into classification of basic emotion and classification of compound </a:t>
-            </a:r>
+              <a:t>Extract Every frames</a:t>
+            </a:r>
+          </a:p>
+          <a:p>
+            <a:pPr marL="742950" lvl="1" indent="-285750">
+              <a:buFont typeface="Arial" pitchFamily="34" charset="0"/>
+              <a:buChar char="•"/>
+            </a:pPr>
             <a:r>
               <a:rPr lang="en-US" i="1" dirty="0" smtClean="0"/>
-              <a:t>emotion. </a:t>
-            </a:r>
-            <a:r>
-              <a:rPr lang="en-US" i="1" dirty="0"/>
-              <a:t>For the goals of our project, the essential problem is to focus on the classification of 7 basic </a:t>
-            </a:r>
+              <a:t>Extract Proper subtitle of the whole Video</a:t>
+            </a:r>
+          </a:p>
+          <a:p>
+            <a:pPr lvl="1"/>
+            <a:endParaRPr lang="en-US" i="1" dirty="0" smtClean="0"/>
+          </a:p>
+          <a:p>
+            <a:pPr marL="285750" indent="-285750">
+              <a:buFont typeface="Arial" pitchFamily="34" charset="0"/>
+              <a:buChar char="•"/>
+            </a:pPr>
             <a:r>
               <a:rPr lang="en-US" i="1" dirty="0" smtClean="0"/>
-              <a:t>emotions</a:t>
-            </a:r>
-          </a:p>
-          <a:p>
-            <a:r>
-              <a:rPr lang="en-US" i="1" dirty="0"/>
-              <a:t>In conclusion, we want to construct a system by which an input image that contains one expression belonging to one of the 7 basic emotions can generate an output that correctly labels the input image</a:t>
-            </a:r>
+              <a:t>To recognize Emotion from video and audio individually</a:t>
+            </a:r>
+          </a:p>
+          <a:p>
+            <a:pPr marL="742950" lvl="1" indent="-285750">
+              <a:buFont typeface="Arial" pitchFamily="34" charset="0"/>
+              <a:buChar char="•"/>
+            </a:pPr>
+            <a:r>
+              <a:rPr lang="en-US" i="1" dirty="0" smtClean="0"/>
+              <a:t>Recognize emotions of every frames of the video</a:t>
+            </a:r>
+          </a:p>
+          <a:p>
+            <a:pPr marL="742950" lvl="1" indent="-285750">
+              <a:buFont typeface="Arial" pitchFamily="34" charset="0"/>
+              <a:buChar char="•"/>
+            </a:pPr>
+            <a:r>
+              <a:rPr lang="en-US" i="1" dirty="0" smtClean="0"/>
+              <a:t>Recognize emotions from the extracted context of the speech</a:t>
+            </a:r>
+          </a:p>
+          <a:p>
+            <a:pPr lvl="1"/>
+            <a:r>
+              <a:rPr lang="en-US" i="1" dirty="0" smtClean="0"/>
+              <a:t> </a:t>
+            </a:r>
+          </a:p>
+          <a:p>
+            <a:pPr marL="285750" indent="-285750">
+              <a:buFont typeface="Arial" pitchFamily="34" charset="0"/>
+              <a:buChar char="•"/>
+            </a:pPr>
+            <a:r>
+              <a:rPr lang="en-US" i="1" dirty="0" smtClean="0"/>
+              <a:t>To merge both results</a:t>
+            </a:r>
+          </a:p>
+          <a:p>
+            <a:pPr marL="285750" indent="-285750">
+              <a:buFont typeface="Arial" pitchFamily="34" charset="0"/>
+              <a:buChar char="•"/>
+            </a:pPr>
+            <a:endParaRPr lang="en-US" i="1" dirty="0" smtClean="0"/>
+          </a:p>
+          <a:p>
+            <a:pPr marL="285750" indent="-285750">
+              <a:buFont typeface="Arial" pitchFamily="34" charset="0"/>
+              <a:buChar char="•"/>
+            </a:pPr>
+            <a:endParaRPr lang="en-US" i="1" dirty="0"/>
           </a:p>
         </p:txBody>
       </p:sp>
@@ -24533,7 +24908,7 @@
           <p:cNvPr id="5" name="Picture 4">
             <a:extLst>
               <a:ext uri="{FF2B5EF4-FFF2-40B4-BE49-F238E27FC236}">
-                <a16:creationId xmlns:a16="http://schemas.microsoft.com/office/drawing/2014/main" xmlns="" id="{43FFE1AA-ECB8-41D0-A986-3E12F7D04B54}"/>
+                <a16:creationId xmlns="" xmlns:a16="http://schemas.microsoft.com/office/drawing/2014/main" id="{43FFE1AA-ECB8-41D0-A986-3E12F7D04B54}"/>
               </a:ext>
             </a:extLst>
           </p:cNvPr>
@@ -24853,6 +25228,21 @@
 </file>
 
 <file path=customXml/item1.xml><?xml version="1.0" encoding="utf-8"?>
+<p:properties xmlns:p="http://schemas.microsoft.com/office/2006/metadata/properties" xmlns:xsi="http://www.w3.org/2001/XMLSchema-instance" xmlns:pc="http://schemas.microsoft.com/office/infopath/2007/PartnerControls">
+  <documentManagement/>
+</p:properties>
+</file>
+
+<file path=customXml/item2.xml><?xml version="1.0" encoding="utf-8"?>
+<?mso-contentType ?>
+<FormTemplates xmlns="http://schemas.microsoft.com/sharepoint/v3/contenttype/forms">
+  <Display>DocumentLibraryForm</Display>
+  <Edit>DocumentLibraryForm</Edit>
+  <New>DocumentLibraryForm</New>
+</FormTemplates>
+</file>
+
+<file path=customXml/item3.xml><?xml version="1.0" encoding="utf-8"?>
 <ct:contentTypeSchema xmlns:ct="http://schemas.microsoft.com/office/2006/metadata/contentType" xmlns:ma="http://schemas.microsoft.com/office/2006/metadata/properties/metaAttributes" ct:_="" ma:_="" ma:contentTypeName="Document" ma:contentTypeID="0x010100BE34F36449696C4D9A39A602A84CD659" ma:contentTypeVersion="0" ma:contentTypeDescription="Create a new document." ma:contentTypeScope="" ma:versionID="b30f77e0f06e4123cf78c8237848f67e">
   <xsd:schema xmlns:xsd="http://www.w3.org/2001/XMLSchema" xmlns:xs="http://www.w3.org/2001/XMLSchema" xmlns:p="http://schemas.microsoft.com/office/2006/metadata/properties" targetNamespace="http://schemas.microsoft.com/office/2006/metadata/properties" ma:root="true" ma:fieldsID="d413257cd9829394d17656a545d5fa4e">
     <xsd:element name="properties">
@@ -24966,22 +25356,30 @@
 </ct:contentTypeSchema>
 </file>
 
-<file path=customXml/item2.xml><?xml version="1.0" encoding="utf-8"?>
-<?mso-contentType ?>
-<FormTemplates xmlns="http://schemas.microsoft.com/sharepoint/v3/contenttype/forms">
-  <Display>DocumentLibraryForm</Display>
-  <Edit>DocumentLibraryForm</Edit>
-  <New>DocumentLibraryForm</New>
-</FormTemplates>
+<file path=customXml/itemProps1.xml><?xml version="1.0" encoding="utf-8"?>
+<ds:datastoreItem xmlns:ds="http://schemas.openxmlformats.org/officeDocument/2006/customXml" ds:itemID="{91C32299-1700-4225-94F0-74D2E6557695}">
+  <ds:schemaRefs>
+    <ds:schemaRef ds:uri="http://purl.org/dc/elements/1.1/"/>
+    <ds:schemaRef ds:uri="http://schemas.microsoft.com/office/2006/metadata/properties"/>
+    <ds:schemaRef ds:uri="http://purl.org/dc/terms/"/>
+    <ds:schemaRef ds:uri="http://schemas.openxmlformats.org/package/2006/metadata/core-properties"/>
+    <ds:schemaRef ds:uri="http://purl.org/dc/dcmitype/"/>
+    <ds:schemaRef ds:uri="http://schemas.microsoft.com/office/2006/documentManagement/types"/>
+    <ds:schemaRef ds:uri="http://schemas.microsoft.com/office/infopath/2007/PartnerControls"/>
+    <ds:schemaRef ds:uri="http://www.w3.org/XML/1998/namespace"/>
+  </ds:schemaRefs>
+</ds:datastoreItem>
 </file>
 
-<file path=customXml/item3.xml><?xml version="1.0" encoding="utf-8"?>
-<p:properties xmlns:p="http://schemas.microsoft.com/office/2006/metadata/properties" xmlns:xsi="http://www.w3.org/2001/XMLSchema-instance" xmlns:pc="http://schemas.microsoft.com/office/infopath/2007/PartnerControls">
-  <documentManagement/>
-</p:properties>
+<file path=customXml/itemProps2.xml><?xml version="1.0" encoding="utf-8"?>
+<ds:datastoreItem xmlns:ds="http://schemas.openxmlformats.org/officeDocument/2006/customXml" ds:itemID="{CB1FCD02-4C4E-486A-8F8D-4A5CFE4AE6CF}">
+  <ds:schemaRefs>
+    <ds:schemaRef ds:uri="http://schemas.microsoft.com/sharepoint/v3/contenttype/forms"/>
+  </ds:schemaRefs>
+</ds:datastoreItem>
 </file>
 
-<file path=customXml/itemProps1.xml><?xml version="1.0" encoding="utf-8"?>
+<file path=customXml/itemProps3.xml><?xml version="1.0" encoding="utf-8"?>
 <ds:datastoreItem xmlns:ds="http://schemas.openxmlformats.org/officeDocument/2006/customXml" ds:itemID="{B434673D-0783-4EC0-8C5C-571A272ECC05}">
   <ds:schemaRefs>
     <ds:schemaRef ds:uri="http://schemas.microsoft.com/office/2006/metadata/contentType"/>
@@ -24995,27 +25393,4 @@
     <ds:schemaRef ds:uri="http://schemas.microsoft.com/office/infopath/2007/PartnerControls"/>
   </ds:schemaRefs>
 </ds:datastoreItem>
-</file>
-
-<file path=customXml/itemProps2.xml><?xml version="1.0" encoding="utf-8"?>
-<ds:datastoreItem xmlns:ds="http://schemas.openxmlformats.org/officeDocument/2006/customXml" ds:itemID="{CB1FCD02-4C4E-486A-8F8D-4A5CFE4AE6CF}">
-  <ds:schemaRefs>
-    <ds:schemaRef ds:uri="http://schemas.microsoft.com/sharepoint/v3/contenttype/forms"/>
-  </ds:schemaRefs>
-</ds:datastoreItem>
-</file>
-
-<file path=customXml/itemProps3.xml><?xml version="1.0" encoding="utf-8"?>
-<ds:datastoreItem xmlns:ds="http://schemas.openxmlformats.org/officeDocument/2006/customXml" ds:itemID="{91C32299-1700-4225-94F0-74D2E6557695}">
-  <ds:schemaRefs>
-    <ds:schemaRef ds:uri="http://purl.org/dc/elements/1.1/"/>
-    <ds:schemaRef ds:uri="http://schemas.microsoft.com/office/2006/metadata/properties"/>
-    <ds:schemaRef ds:uri="http://purl.org/dc/terms/"/>
-    <ds:schemaRef ds:uri="http://schemas.openxmlformats.org/package/2006/metadata/core-properties"/>
-    <ds:schemaRef ds:uri="http://purl.org/dc/dcmitype/"/>
-    <ds:schemaRef ds:uri="http://schemas.microsoft.com/office/2006/documentManagement/types"/>
-    <ds:schemaRef ds:uri="http://schemas.microsoft.com/office/infopath/2007/PartnerControls"/>
-    <ds:schemaRef ds:uri="http://www.w3.org/XML/1998/namespace"/>
-  </ds:schemaRefs>
-</ds:datastoreItem>
 </file>
--- a/Book/Thesis_Presentation.pptx
+++ b/Book/Thesis_Presentation.pptx
@@ -132,7 +132,7 @@
   </p:defaultTextStyle>
   <p:extLst>
     <p:ext uri="{EFAFB233-063F-42B5-8137-9DF3F51BA10A}">
-      <p15:sldGuideLst xmlns:p15="http://schemas.microsoft.com/office/powerpoint/2012/main" xmlns="">
+      <p15:sldGuideLst xmlns="" xmlns:p15="http://schemas.microsoft.com/office/powerpoint/2012/main">
         <p15:guide id="1" orient="horz" pos="2160">
           <p15:clr>
             <a:srgbClr val="A4A3A4"/>
@@ -721,7 +721,7 @@
           <p:cNvPr id="1026" name="Picture 2" descr="Image result for AIUB logo">
             <a:extLst>
               <a:ext uri="{FF2B5EF4-FFF2-40B4-BE49-F238E27FC236}">
-                <a16:creationId xmlns="" xmlns:a16="http://schemas.microsoft.com/office/drawing/2014/main" id="{CF3BFD94-6180-4B73-8361-A4B02BAD1757}"/>
+                <a16:creationId xmlns:a16="http://schemas.microsoft.com/office/drawing/2014/main" xmlns="" id="{CF3BFD94-6180-4B73-8361-A4B02BAD1757}"/>
               </a:ext>
             </a:extLst>
           </p:cNvPr>
@@ -7588,7 +7588,7 @@
           <p:cNvPr id="2050" name="Picture 2" descr="Image result for AIUB logo">
             <a:extLst>
               <a:ext uri="{FF2B5EF4-FFF2-40B4-BE49-F238E27FC236}">
-                <a16:creationId xmlns="" xmlns:a16="http://schemas.microsoft.com/office/drawing/2014/main" id="{C28CB252-6044-4564-B6A7-264FC3396E0A}"/>
+                <a16:creationId xmlns:a16="http://schemas.microsoft.com/office/drawing/2014/main" xmlns="" id="{C28CB252-6044-4564-B6A7-264FC3396E0A}"/>
               </a:ext>
             </a:extLst>
           </p:cNvPr>
@@ -8351,7 +8351,7 @@
           <p:cNvPr id="6" name="Table 5">
             <a:extLst>
               <a:ext uri="{FF2B5EF4-FFF2-40B4-BE49-F238E27FC236}">
-                <a16:creationId xmlns="" xmlns:a16="http://schemas.microsoft.com/office/drawing/2014/main" id="{80FA2A77-A004-4F61-9E7E-87FE64C4A23F}"/>
+                <a16:creationId xmlns:a16="http://schemas.microsoft.com/office/drawing/2014/main" xmlns="" id="{80FA2A77-A004-4F61-9E7E-87FE64C4A23F}"/>
               </a:ext>
             </a:extLst>
           </p:cNvPr>
@@ -8380,21 +8380,21 @@
                 <a:gridCol w="4684540">
                   <a:extLst>
                     <a:ext uri="{9D8B030D-6E8A-4147-A177-3AD203B41FA5}">
-                      <a16:colId xmlns="" xmlns:a16="http://schemas.microsoft.com/office/drawing/2014/main" val="794581472"/>
+                      <a16:colId xmlns:a16="http://schemas.microsoft.com/office/drawing/2014/main" xmlns="" val="794581472"/>
                     </a:ext>
                   </a:extLst>
                 </a:gridCol>
                 <a:gridCol w="2250831">
                   <a:extLst>
                     <a:ext uri="{9D8B030D-6E8A-4147-A177-3AD203B41FA5}">
-                      <a16:colId xmlns="" xmlns:a16="http://schemas.microsoft.com/office/drawing/2014/main" val="3106225813"/>
+                      <a16:colId xmlns:a16="http://schemas.microsoft.com/office/drawing/2014/main" xmlns="" val="3106225813"/>
                     </a:ext>
                   </a:extLst>
                 </a:gridCol>
                 <a:gridCol w="1434905">
                   <a:extLst>
                     <a:ext uri="{9D8B030D-6E8A-4147-A177-3AD203B41FA5}">
-                      <a16:colId xmlns="" xmlns:a16="http://schemas.microsoft.com/office/drawing/2014/main" val="3199282456"/>
+                      <a16:colId xmlns:a16="http://schemas.microsoft.com/office/drawing/2014/main" xmlns="" val="3199282456"/>
                     </a:ext>
                   </a:extLst>
                 </a:gridCol>
@@ -8441,7 +8441,7 @@
                 </a:tc>
                 <a:extLst>
                   <a:ext uri="{0D108BD9-81ED-4DB2-BD59-A6C34878D82A}">
-                    <a16:rowId xmlns="" xmlns:a16="http://schemas.microsoft.com/office/drawing/2014/main" val="925189299"/>
+                    <a16:rowId xmlns:a16="http://schemas.microsoft.com/office/drawing/2014/main" xmlns="" val="925189299"/>
                   </a:ext>
                 </a:extLst>
               </a:tr>
@@ -8538,7 +8538,7 @@
                 </a:tc>
                 <a:extLst>
                   <a:ext uri="{0D108BD9-81ED-4DB2-BD59-A6C34878D82A}">
-                    <a16:rowId xmlns="" xmlns:a16="http://schemas.microsoft.com/office/drawing/2014/main" val="2838283429"/>
+                    <a16:rowId xmlns:a16="http://schemas.microsoft.com/office/drawing/2014/main" xmlns="" val="2838283429"/>
                   </a:ext>
                 </a:extLst>
               </a:tr>
@@ -8662,7 +8662,7 @@
                 </a:tc>
                 <a:extLst>
                   <a:ext uri="{0D108BD9-81ED-4DB2-BD59-A6C34878D82A}">
-                    <a16:rowId xmlns="" xmlns:a16="http://schemas.microsoft.com/office/drawing/2014/main" val="3742747497"/>
+                    <a16:rowId xmlns:a16="http://schemas.microsoft.com/office/drawing/2014/main" xmlns="" val="3742747497"/>
                   </a:ext>
                 </a:extLst>
               </a:tr>
@@ -8797,7 +8797,7 @@
                 </a:tc>
                 <a:extLst>
                   <a:ext uri="{0D108BD9-81ED-4DB2-BD59-A6C34878D82A}">
-                    <a16:rowId xmlns="" xmlns:a16="http://schemas.microsoft.com/office/drawing/2014/main" val="2739026912"/>
+                    <a16:rowId xmlns:a16="http://schemas.microsoft.com/office/drawing/2014/main" xmlns="" val="2739026912"/>
                   </a:ext>
                 </a:extLst>
               </a:tr>
@@ -8860,7 +8860,7 @@
                 </a:tc>
                 <a:extLst>
                   <a:ext uri="{0D108BD9-81ED-4DB2-BD59-A6C34878D82A}">
-                    <a16:rowId xmlns="" xmlns:a16="http://schemas.microsoft.com/office/drawing/2014/main" val="2149362666"/>
+                    <a16:rowId xmlns:a16="http://schemas.microsoft.com/office/drawing/2014/main" xmlns="" val="2149362666"/>
                   </a:ext>
                 </a:extLst>
               </a:tr>
@@ -8873,7 +8873,7 @@
           <p:cNvPr id="7" name="Table 6">
             <a:extLst>
               <a:ext uri="{FF2B5EF4-FFF2-40B4-BE49-F238E27FC236}">
-                <a16:creationId xmlns="" xmlns:a16="http://schemas.microsoft.com/office/drawing/2014/main" id="{29FF08AD-7519-4C4A-8E0D-640DF5BB5E58}"/>
+                <a16:creationId xmlns:a16="http://schemas.microsoft.com/office/drawing/2014/main" xmlns="" id="{29FF08AD-7519-4C4A-8E0D-640DF5BB5E58}"/>
               </a:ext>
             </a:extLst>
           </p:cNvPr>
@@ -8902,14 +8902,14 @@
                 <a:gridCol w="1266782">
                   <a:extLst>
                     <a:ext uri="{9D8B030D-6E8A-4147-A177-3AD203B41FA5}">
-                      <a16:colId xmlns="" xmlns:a16="http://schemas.microsoft.com/office/drawing/2014/main" val="3905988420"/>
+                      <a16:colId xmlns:a16="http://schemas.microsoft.com/office/drawing/2014/main" xmlns="" val="3905988420"/>
                     </a:ext>
                   </a:extLst>
                 </a:gridCol>
                 <a:gridCol w="7069015">
                   <a:extLst>
                     <a:ext uri="{9D8B030D-6E8A-4147-A177-3AD203B41FA5}">
-                      <a16:colId xmlns="" xmlns:a16="http://schemas.microsoft.com/office/drawing/2014/main" val="2889894460"/>
+                      <a16:colId xmlns:a16="http://schemas.microsoft.com/office/drawing/2014/main" xmlns="" val="2889894460"/>
                     </a:ext>
                   </a:extLst>
                 </a:gridCol>
@@ -9019,7 +9019,7 @@
                 </a:tc>
                 <a:extLst>
                   <a:ext uri="{0D108BD9-81ED-4DB2-BD59-A6C34878D82A}">
-                    <a16:rowId xmlns="" xmlns:a16="http://schemas.microsoft.com/office/drawing/2014/main" val="2197040212"/>
+                    <a16:rowId xmlns:a16="http://schemas.microsoft.com/office/drawing/2014/main" xmlns="" val="2197040212"/>
                   </a:ext>
                 </a:extLst>
               </a:tr>
@@ -10323,7 +10323,7 @@
           <p:cNvPr id="5" name="Picture 4">
             <a:extLst>
               <a:ext uri="{FF2B5EF4-FFF2-40B4-BE49-F238E27FC236}">
-                <a16:creationId xmlns="" xmlns:a16="http://schemas.microsoft.com/office/drawing/2014/main" id="{552C01E4-A5C8-482E-84C0-506A3F95E1D0}"/>
+                <a16:creationId xmlns:a16="http://schemas.microsoft.com/office/drawing/2014/main" xmlns="" id="{552C01E4-A5C8-482E-84C0-506A3F95E1D0}"/>
               </a:ext>
             </a:extLst>
           </p:cNvPr>
@@ -12474,7 +12474,7 @@
           <p:cNvPr id="5" name="Picture 4">
             <a:extLst>
               <a:ext uri="{FF2B5EF4-FFF2-40B4-BE49-F238E27FC236}">
-                <a16:creationId xmlns="" xmlns:a16="http://schemas.microsoft.com/office/drawing/2014/main" id="{ED6EA63D-E601-4E4C-B77A-D0BCA59E48C8}"/>
+                <a16:creationId xmlns:a16="http://schemas.microsoft.com/office/drawing/2014/main" xmlns="" id="{ED6EA63D-E601-4E4C-B77A-D0BCA59E48C8}"/>
               </a:ext>
             </a:extLst>
           </p:cNvPr>
@@ -13128,7 +13128,7 @@
           <p:cNvPr id="6" name="Picture 5">
             <a:extLst>
               <a:ext uri="{FF2B5EF4-FFF2-40B4-BE49-F238E27FC236}">
-                <a16:creationId xmlns="" xmlns:a16="http://schemas.microsoft.com/office/drawing/2014/main" id="{52F3E734-1C3D-4F6F-8C17-B85A399D6B42}"/>
+                <a16:creationId xmlns:a16="http://schemas.microsoft.com/office/drawing/2014/main" xmlns="" id="{52F3E734-1C3D-4F6F-8C17-B85A399D6B42}"/>
               </a:ext>
             </a:extLst>
           </p:cNvPr>
@@ -13158,7 +13158,7 @@
           <p:cNvPr id="8" name="Picture 7">
             <a:extLst>
               <a:ext uri="{FF2B5EF4-FFF2-40B4-BE49-F238E27FC236}">
-                <a16:creationId xmlns="" xmlns:a16="http://schemas.microsoft.com/office/drawing/2014/main" id="{D7AF8262-3A3B-49CD-8D00-35524A727C2A}"/>
+                <a16:creationId xmlns:a16="http://schemas.microsoft.com/office/drawing/2014/main" xmlns="" id="{D7AF8262-3A3B-49CD-8D00-35524A727C2A}"/>
               </a:ext>
             </a:extLst>
           </p:cNvPr>
@@ -13749,7 +13749,7 @@
           <p:cNvPr id="5" name="Picture 4">
             <a:extLst>
               <a:ext uri="{FF2B5EF4-FFF2-40B4-BE49-F238E27FC236}">
-                <a16:creationId xmlns="" xmlns:a16="http://schemas.microsoft.com/office/drawing/2014/main" id="{A9DF337D-F99F-4BC4-9559-362396D1540A}"/>
+                <a16:creationId xmlns:a16="http://schemas.microsoft.com/office/drawing/2014/main" xmlns="" id="{A9DF337D-F99F-4BC4-9559-362396D1540A}"/>
               </a:ext>
             </a:extLst>
           </p:cNvPr>
@@ -13779,7 +13779,7 @@
           <p:cNvPr id="9" name="Picture 8">
             <a:extLst>
               <a:ext uri="{FF2B5EF4-FFF2-40B4-BE49-F238E27FC236}">
-                <a16:creationId xmlns="" xmlns:a16="http://schemas.microsoft.com/office/drawing/2014/main" id="{F892E1D0-B436-44B9-B7F5-D6BDD8BD55D3}"/>
+                <a16:creationId xmlns:a16="http://schemas.microsoft.com/office/drawing/2014/main" xmlns="" id="{F892E1D0-B436-44B9-B7F5-D6BDD8BD55D3}"/>
               </a:ext>
             </a:extLst>
           </p:cNvPr>
@@ -14602,7 +14602,7 @@
           <p:cNvPr id="6" name="Picture 5">
             <a:extLst>
               <a:ext uri="{FF2B5EF4-FFF2-40B4-BE49-F238E27FC236}">
-                <a16:creationId xmlns="" xmlns:a16="http://schemas.microsoft.com/office/drawing/2014/main" id="{393B6AD9-385D-4DF5-99E0-E51E55BF93B7}"/>
+                <a16:creationId xmlns:a16="http://schemas.microsoft.com/office/drawing/2014/main" xmlns="" id="{393B6AD9-385D-4DF5-99E0-E51E55BF93B7}"/>
               </a:ext>
             </a:extLst>
           </p:cNvPr>
@@ -14632,7 +14632,7 @@
           <p:cNvPr id="8" name="Picture 7">
             <a:extLst>
               <a:ext uri="{FF2B5EF4-FFF2-40B4-BE49-F238E27FC236}">
-                <a16:creationId xmlns="" xmlns:a16="http://schemas.microsoft.com/office/drawing/2014/main" id="{F643A4D0-6F9E-4E77-855D-079AFAAD20D6}"/>
+                <a16:creationId xmlns:a16="http://schemas.microsoft.com/office/drawing/2014/main" xmlns="" id="{F643A4D0-6F9E-4E77-855D-079AFAAD20D6}"/>
               </a:ext>
             </a:extLst>
           </p:cNvPr>
@@ -14662,7 +14662,7 @@
           <p:cNvPr id="11" name="Picture 10">
             <a:extLst>
               <a:ext uri="{FF2B5EF4-FFF2-40B4-BE49-F238E27FC236}">
-                <a16:creationId xmlns="" xmlns:a16="http://schemas.microsoft.com/office/drawing/2014/main" id="{257F0B3C-F89D-41F2-80F6-9DFDD396030E}"/>
+                <a16:creationId xmlns:a16="http://schemas.microsoft.com/office/drawing/2014/main" xmlns="" id="{257F0B3C-F89D-41F2-80F6-9DFDD396030E}"/>
               </a:ext>
             </a:extLst>
           </p:cNvPr>
@@ -16375,7 +16375,7 @@
           <p:cNvPr id="3" name="Subtitle 2">
             <a:extLst>
               <a:ext uri="{FF2B5EF4-FFF2-40B4-BE49-F238E27FC236}">
-                <a16:creationId xmlns="" xmlns:a16="http://schemas.microsoft.com/office/drawing/2014/main" id="{CB6E0A76-7DD3-4E99-B48E-7105413A7842}"/>
+                <a16:creationId xmlns:a16="http://schemas.microsoft.com/office/drawing/2014/main" xmlns="" id="{CB6E0A76-7DD3-4E99-B48E-7105413A7842}"/>
               </a:ext>
             </a:extLst>
           </p:cNvPr>
@@ -17241,7 +17241,7 @@
           <p:cNvPr id="3" name="Subtitle 2">
             <a:extLst>
               <a:ext uri="{FF2B5EF4-FFF2-40B4-BE49-F238E27FC236}">
-                <a16:creationId xmlns="" xmlns:a16="http://schemas.microsoft.com/office/drawing/2014/main" id="{CB6E0A76-7DD3-4E99-B48E-7105413A7842}"/>
+                <a16:creationId xmlns:a16="http://schemas.microsoft.com/office/drawing/2014/main" xmlns="" id="{CB6E0A76-7DD3-4E99-B48E-7105413A7842}"/>
               </a:ext>
             </a:extLst>
           </p:cNvPr>
@@ -17963,7 +17963,7 @@
           <p:cNvPr id="3" name="Subtitle 2">
             <a:extLst>
               <a:ext uri="{FF2B5EF4-FFF2-40B4-BE49-F238E27FC236}">
-                <a16:creationId xmlns="" xmlns:a16="http://schemas.microsoft.com/office/drawing/2014/main" id="{CB6E0A76-7DD3-4E99-B48E-7105413A7842}"/>
+                <a16:creationId xmlns:a16="http://schemas.microsoft.com/office/drawing/2014/main" xmlns="" id="{CB6E0A76-7DD3-4E99-B48E-7105413A7842}"/>
               </a:ext>
             </a:extLst>
           </p:cNvPr>
@@ -18753,7 +18753,7 @@
           <p:cNvPr id="3" name="Subtitle 2">
             <a:extLst>
               <a:ext uri="{FF2B5EF4-FFF2-40B4-BE49-F238E27FC236}">
-                <a16:creationId xmlns="" xmlns:a16="http://schemas.microsoft.com/office/drawing/2014/main" id="{CB6E0A76-7DD3-4E99-B48E-7105413A7842}"/>
+                <a16:creationId xmlns:a16="http://schemas.microsoft.com/office/drawing/2014/main" xmlns="" id="{CB6E0A76-7DD3-4E99-B48E-7105413A7842}"/>
               </a:ext>
             </a:extLst>
           </p:cNvPr>
@@ -19547,7 +19547,7 @@
           <p:cNvPr id="3" name="Subtitle 2">
             <a:extLst>
               <a:ext uri="{FF2B5EF4-FFF2-40B4-BE49-F238E27FC236}">
-                <a16:creationId xmlns="" xmlns:a16="http://schemas.microsoft.com/office/drawing/2014/main" id="{CB6E0A76-7DD3-4E99-B48E-7105413A7842}"/>
+                <a16:creationId xmlns:a16="http://schemas.microsoft.com/office/drawing/2014/main" xmlns="" id="{CB6E0A76-7DD3-4E99-B48E-7105413A7842}"/>
               </a:ext>
             </a:extLst>
           </p:cNvPr>
@@ -21909,7 +21909,7 @@
         </p:spPr>
         <p:txBody>
           <a:bodyPr>
-            <a:normAutofit/>
+            <a:normAutofit lnSpcReduction="10000"/>
           </a:bodyPr>
           <a:lstStyle>
             <a:lvl1pPr marL="454025" indent="-454025" algn="l" defTabSz="914400" rtl="0" eaLnBrk="1" latinLnBrk="0" hangingPunct="1">
@@ -22143,6 +22143,33 @@
                   <a:srgbClr val="000000"/>
                 </a:solidFill>
               </a:rPr>
+              <a:t>The Two major literature reviews affecting ou</a:t>
+            </a:r>
+            <a:r>
+              <a:rPr lang="en-GB" sz="1800" i="1" dirty="0" smtClean="0">
+                <a:solidFill>
+                  <a:srgbClr val="000000"/>
+                </a:solidFill>
+              </a:rPr>
+              <a:t>r study and development are,</a:t>
+            </a:r>
+            <a:endParaRPr lang="en-GB" sz="1800" i="1" dirty="0" smtClean="0">
+              <a:solidFill>
+                <a:srgbClr val="000000"/>
+              </a:solidFill>
+            </a:endParaRPr>
+          </a:p>
+          <a:p>
+            <a:pPr algn="just">
+              <a:buFont typeface="Wingdings" pitchFamily="2" charset="2"/>
+              <a:buChar char="§"/>
+            </a:pPr>
+            <a:r>
+              <a:rPr lang="en-GB" sz="1800" i="1" dirty="0" smtClean="0">
+                <a:solidFill>
+                  <a:srgbClr val="000000"/>
+                </a:solidFill>
+              </a:rPr>
               <a:t>It </a:t>
             </a:r>
             <a:r>
@@ -22243,8 +22270,9 @@
             </a:r>
           </a:p>
           <a:p>
-            <a:pPr marL="0" indent="0" algn="just">
-              <a:buNone/>
+            <a:pPr algn="just">
+              <a:buFont typeface="Wingdings" pitchFamily="2" charset="2"/>
+              <a:buChar char="§"/>
             </a:pPr>
             <a:r>
               <a:rPr lang="en-US" sz="1800" i="1" dirty="0" smtClean="0"/>
@@ -22262,10 +22290,16 @@
               <a:rPr lang="en-US" sz="1800" i="1" dirty="0"/>
               <a:t>They use five approaches, which include four knowledge-based ideas and one corpus-based idea. </a:t>
             </a:r>
+            <a:endParaRPr lang="en-US" sz="1800" i="1" dirty="0"/>
+          </a:p>
+          <a:p>
+            <a:pPr marL="0" indent="0" algn="just">
+              <a:buNone/>
+            </a:pPr>
             <a:endParaRPr lang="en-US" sz="1800" i="1" dirty="0" smtClean="0"/>
           </a:p>
           <a:p>
-            <a:pPr marL="0" indent="0" algn="just">
+            <a:pPr marL="0" indent="0" algn="ctr">
               <a:buNone/>
             </a:pPr>
             <a:r>
@@ -22935,7 +22969,7 @@
           <p:cNvPr id="4" name="Picture 3">
             <a:extLst>
               <a:ext uri="{FF2B5EF4-FFF2-40B4-BE49-F238E27FC236}">
-                <a16:creationId xmlns="" xmlns:a16="http://schemas.microsoft.com/office/drawing/2014/main" id="{398460DE-BA20-405D-A792-2DEACC581179}"/>
+                <a16:creationId xmlns:a16="http://schemas.microsoft.com/office/drawing/2014/main" xmlns="" id="{398460DE-BA20-405D-A792-2DEACC581179}"/>
               </a:ext>
             </a:extLst>
           </p:cNvPr>
@@ -24158,21 +24192,8 @@
                   <a:schemeClr val="tx1"/>
                 </a:solidFill>
               </a:rPr>
-              <a:t>Research </a:t>
-            </a:r>
-            <a:r>
-              <a:rPr lang="en-US" sz="2600" b="1" dirty="0">
-                <a:solidFill>
-                  <a:schemeClr val="tx1"/>
-                </a:solidFill>
-              </a:rPr>
-              <a:t>Objectives</a:t>
-            </a:r>
-            <a:endParaRPr lang="en-US" sz="2600" b="1" dirty="0">
-              <a:solidFill>
-                <a:schemeClr val="tx1"/>
-              </a:solidFill>
-            </a:endParaRPr>
+              <a:t>Research Objectives</a:t>
+            </a:r>
           </a:p>
           <a:p>
             <a:pPr marL="0" indent="0">
@@ -24908,7 +24929,7 @@
           <p:cNvPr id="5" name="Picture 4">
             <a:extLst>
               <a:ext uri="{FF2B5EF4-FFF2-40B4-BE49-F238E27FC236}">
-                <a16:creationId xmlns="" xmlns:a16="http://schemas.microsoft.com/office/drawing/2014/main" id="{43FFE1AA-ECB8-41D0-A986-3E12F7D04B54}"/>
+                <a16:creationId xmlns:a16="http://schemas.microsoft.com/office/drawing/2014/main" xmlns="" id="{43FFE1AA-ECB8-41D0-A986-3E12F7D04B54}"/>
               </a:ext>
             </a:extLst>
           </p:cNvPr>
@@ -25228,21 +25249,6 @@
 </file>
 
 <file path=customXml/item1.xml><?xml version="1.0" encoding="utf-8"?>
-<p:properties xmlns:p="http://schemas.microsoft.com/office/2006/metadata/properties" xmlns:xsi="http://www.w3.org/2001/XMLSchema-instance" xmlns:pc="http://schemas.microsoft.com/office/infopath/2007/PartnerControls">
-  <documentManagement/>
-</p:properties>
-</file>
-
-<file path=customXml/item2.xml><?xml version="1.0" encoding="utf-8"?>
-<?mso-contentType ?>
-<FormTemplates xmlns="http://schemas.microsoft.com/sharepoint/v3/contenttype/forms">
-  <Display>DocumentLibraryForm</Display>
-  <Edit>DocumentLibraryForm</Edit>
-  <New>DocumentLibraryForm</New>
-</FormTemplates>
-</file>
-
-<file path=customXml/item3.xml><?xml version="1.0" encoding="utf-8"?>
 <ct:contentTypeSchema xmlns:ct="http://schemas.microsoft.com/office/2006/metadata/contentType" xmlns:ma="http://schemas.microsoft.com/office/2006/metadata/properties/metaAttributes" ct:_="" ma:_="" ma:contentTypeName="Document" ma:contentTypeID="0x010100BE34F36449696C4D9A39A602A84CD659" ma:contentTypeVersion="0" ma:contentTypeDescription="Create a new document." ma:contentTypeScope="" ma:versionID="b30f77e0f06e4123cf78c8237848f67e">
   <xsd:schema xmlns:xsd="http://www.w3.org/2001/XMLSchema" xmlns:xs="http://www.w3.org/2001/XMLSchema" xmlns:p="http://schemas.microsoft.com/office/2006/metadata/properties" targetNamespace="http://schemas.microsoft.com/office/2006/metadata/properties" ma:root="true" ma:fieldsID="d413257cd9829394d17656a545d5fa4e">
     <xsd:element name="properties">
@@ -25356,17 +25362,33 @@
 </ct:contentTypeSchema>
 </file>
 
+<file path=customXml/item2.xml><?xml version="1.0" encoding="utf-8"?>
+<?mso-contentType ?>
+<FormTemplates xmlns="http://schemas.microsoft.com/sharepoint/v3/contenttype/forms">
+  <Display>DocumentLibraryForm</Display>
+  <Edit>DocumentLibraryForm</Edit>
+  <New>DocumentLibraryForm</New>
+</FormTemplates>
+</file>
+
+<file path=customXml/item3.xml><?xml version="1.0" encoding="utf-8"?>
+<p:properties xmlns:p="http://schemas.microsoft.com/office/2006/metadata/properties" xmlns:xsi="http://www.w3.org/2001/XMLSchema-instance" xmlns:pc="http://schemas.microsoft.com/office/infopath/2007/PartnerControls">
+  <documentManagement/>
+</p:properties>
+</file>
+
 <file path=customXml/itemProps1.xml><?xml version="1.0" encoding="utf-8"?>
-<ds:datastoreItem xmlns:ds="http://schemas.openxmlformats.org/officeDocument/2006/customXml" ds:itemID="{91C32299-1700-4225-94F0-74D2E6557695}">
+<ds:datastoreItem xmlns:ds="http://schemas.openxmlformats.org/officeDocument/2006/customXml" ds:itemID="{B434673D-0783-4EC0-8C5C-571A272ECC05}">
   <ds:schemaRefs>
+    <ds:schemaRef ds:uri="http://schemas.microsoft.com/office/2006/metadata/contentType"/>
+    <ds:schemaRef ds:uri="http://schemas.microsoft.com/office/2006/metadata/properties/metaAttributes"/>
+    <ds:schemaRef ds:uri="http://www.w3.org/2001/XMLSchema"/>
+    <ds:schemaRef ds:uri="http://schemas.microsoft.com/office/2006/metadata/properties"/>
+    <ds:schemaRef ds:uri="http://schemas.openxmlformats.org/package/2006/metadata/core-properties"/>
     <ds:schemaRef ds:uri="http://purl.org/dc/elements/1.1/"/>
-    <ds:schemaRef ds:uri="http://schemas.microsoft.com/office/2006/metadata/properties"/>
     <ds:schemaRef ds:uri="http://purl.org/dc/terms/"/>
-    <ds:schemaRef ds:uri="http://schemas.openxmlformats.org/package/2006/metadata/core-properties"/>
-    <ds:schemaRef ds:uri="http://purl.org/dc/dcmitype/"/>
-    <ds:schemaRef ds:uri="http://schemas.microsoft.com/office/2006/documentManagement/types"/>
+    <ds:schemaRef ds:uri="http://schemas.microsoft.com/internal/obd"/>
     <ds:schemaRef ds:uri="http://schemas.microsoft.com/office/infopath/2007/PartnerControls"/>
-    <ds:schemaRef ds:uri="http://www.w3.org/XML/1998/namespace"/>
   </ds:schemaRefs>
 </ds:datastoreItem>
 </file>
@@ -25380,17 +25402,16 @@
 </file>
 
 <file path=customXml/itemProps3.xml><?xml version="1.0" encoding="utf-8"?>
-<ds:datastoreItem xmlns:ds="http://schemas.openxmlformats.org/officeDocument/2006/customXml" ds:itemID="{B434673D-0783-4EC0-8C5C-571A272ECC05}">
+<ds:datastoreItem xmlns:ds="http://schemas.openxmlformats.org/officeDocument/2006/customXml" ds:itemID="{91C32299-1700-4225-94F0-74D2E6557695}">
   <ds:schemaRefs>
-    <ds:schemaRef ds:uri="http://schemas.microsoft.com/office/2006/metadata/contentType"/>
-    <ds:schemaRef ds:uri="http://schemas.microsoft.com/office/2006/metadata/properties/metaAttributes"/>
-    <ds:schemaRef ds:uri="http://www.w3.org/2001/XMLSchema"/>
+    <ds:schemaRef ds:uri="http://purl.org/dc/elements/1.1/"/>
     <ds:schemaRef ds:uri="http://schemas.microsoft.com/office/2006/metadata/properties"/>
+    <ds:schemaRef ds:uri="http://purl.org/dc/terms/"/>
     <ds:schemaRef ds:uri="http://schemas.openxmlformats.org/package/2006/metadata/core-properties"/>
-    <ds:schemaRef ds:uri="http://purl.org/dc/elements/1.1/"/>
-    <ds:schemaRef ds:uri="http://purl.org/dc/terms/"/>
-    <ds:schemaRef ds:uri="http://schemas.microsoft.com/internal/obd"/>
+    <ds:schemaRef ds:uri="http://purl.org/dc/dcmitype/"/>
+    <ds:schemaRef ds:uri="http://schemas.microsoft.com/office/2006/documentManagement/types"/>
     <ds:schemaRef ds:uri="http://schemas.microsoft.com/office/infopath/2007/PartnerControls"/>
+    <ds:schemaRef ds:uri="http://www.w3.org/XML/1998/namespace"/>
   </ds:schemaRefs>
 </ds:datastoreItem>
 </file>